--- a/Fase_1/Evidencias_Grupales/Presentacion_proyecto.pptx
+++ b/Fase_1/Evidencias_Grupales/Presentacion_proyecto.pptx
@@ -15,23 +15,26 @@
     <p:sldId id="260" r:id="rId10"/>
     <p:sldId id="261" r:id="rId11"/>
     <p:sldId id="262" r:id="rId12"/>
+    <p:sldId id="263" r:id="rId13"/>
+    <p:sldId id="264" r:id="rId14"/>
+    <p:sldId id="265" r:id="rId15"/>
   </p:sldIdLst>
   <p:sldSz cy="5143500" cx="9144000"/>
   <p:notesSz cx="6858000" cy="9144000"/>
   <p:embeddedFontLst>
     <p:embeddedFont>
       <p:font typeface="Raleway"/>
-      <p:regular r:id="rId13"/>
-      <p:bold r:id="rId14"/>
-      <p:italic r:id="rId15"/>
-      <p:boldItalic r:id="rId16"/>
+      <p:regular r:id="rId16"/>
+      <p:bold r:id="rId17"/>
+      <p:italic r:id="rId18"/>
+      <p:boldItalic r:id="rId19"/>
     </p:embeddedFont>
     <p:embeddedFont>
       <p:font typeface="Lato"/>
-      <p:regular r:id="rId17"/>
-      <p:bold r:id="rId18"/>
-      <p:italic r:id="rId19"/>
-      <p:boldItalic r:id="rId20"/>
+      <p:regular r:id="rId20"/>
+      <p:bold r:id="rId21"/>
+      <p:italic r:id="rId22"/>
+      <p:boldItalic r:id="rId23"/>
     </p:embeddedFont>
   </p:embeddedFontLst>
   <p:defaultTextStyle>
@@ -807,6 +810,105 @@
 </p:notes>
 </file>
 
+<file path=ppt/notesSlides/notesSlide10.xml><?xml version="1.0" encoding="utf-8"?>
+<p:notes xmlns:a="http://schemas.openxmlformats.org/drawingml/2006/main" xmlns:r="http://schemas.openxmlformats.org/officeDocument/2006/relationships" xmlns:mc="http://schemas.openxmlformats.org/markup-compatibility/2006" xmlns:mv="urn:schemas-microsoft-com:mac:vml" xmlns:p="http://schemas.openxmlformats.org/presentationml/2006/main" xmlns:c="http://schemas.openxmlformats.org/drawingml/2006/chart" xmlns:dgm="http://schemas.openxmlformats.org/drawingml/2006/diagram" xmlns:o="urn:schemas-microsoft-com:office:office" xmlns:v="urn:schemas-microsoft-com:vml" xmlns:pvml="urn:schemas-microsoft-com:office:powerpoint" xmlns:com="http://schemas.openxmlformats.org/drawingml/2006/compatibility" xmlns:p14="http://schemas.microsoft.com/office/powerpoint/2010/main" xmlns:p15="http://schemas.microsoft.com/office/powerpoint/2012/main" xmlns:ahyp="http://schemas.microsoft.com/office/drawing/2018/hyperlinkcolor" showMasterPhAnim="0" showMasterSp="0">
+  <p:cSld>
+    <p:spTree>
+      <p:nvGrpSpPr>
+        <p:cNvPr id="138" name="Shape 138"/>
+        <p:cNvGrpSpPr/>
+        <p:nvPr/>
+      </p:nvGrpSpPr>
+      <p:grpSpPr>
+        <a:xfrm>
+          <a:off x="0" y="0"/>
+          <a:ext cx="0" cy="0"/>
+          <a:chOff x="0" y="0"/>
+          <a:chExt cx="0" cy="0"/>
+        </a:xfrm>
+      </p:grpSpPr>
+      <p:sp>
+        <p:nvSpPr>
+          <p:cNvPr id="139" name="Google Shape;139;g2ff540f41b7_1_15:notes"/>
+          <p:cNvSpPr/>
+          <p:nvPr>
+            <p:ph idx="2" type="sldImg"/>
+          </p:nvPr>
+        </p:nvSpPr>
+        <p:spPr>
+          <a:xfrm>
+            <a:off x="381300" y="685800"/>
+            <a:ext cx="6096000" cy="3429000"/>
+          </a:xfrm>
+          <a:custGeom>
+            <a:rect b="b" l="l" r="r" t="t"/>
+            <a:pathLst>
+              <a:path extrusionOk="0" h="120000" w="120000">
+                <a:moveTo>
+                  <a:pt x="0" y="0"/>
+                </a:moveTo>
+                <a:lnTo>
+                  <a:pt x="120000" y="0"/>
+                </a:lnTo>
+                <a:lnTo>
+                  <a:pt x="120000" y="120000"/>
+                </a:lnTo>
+                <a:lnTo>
+                  <a:pt x="0" y="120000"/>
+                </a:lnTo>
+                <a:close/>
+              </a:path>
+            </a:pathLst>
+          </a:custGeom>
+        </p:spPr>
+      </p:sp>
+      <p:sp>
+        <p:nvSpPr>
+          <p:cNvPr id="140" name="Google Shape;140;g2ff540f41b7_1_15:notes"/>
+          <p:cNvSpPr txBox="1"/>
+          <p:nvPr>
+            <p:ph idx="1" type="body"/>
+          </p:nvPr>
+        </p:nvSpPr>
+        <p:spPr>
+          <a:xfrm>
+            <a:off x="685800" y="4343400"/>
+            <a:ext cx="5486400" cy="4114800"/>
+          </a:xfrm>
+          <a:prstGeom prst="rect">
+            <a:avLst/>
+          </a:prstGeom>
+        </p:spPr>
+        <p:txBody>
+          <a:bodyPr anchorCtr="0" anchor="t" bIns="91425" lIns="91425" spcFirstLastPara="1" rIns="91425" wrap="square" tIns="91425">
+            <a:noAutofit/>
+          </a:bodyPr>
+          <a:lstStyle/>
+          <a:p>
+            <a:pPr indent="0" lvl="0" marL="0" rtl="0" algn="l">
+              <a:spcBef>
+                <a:spcPts val="0"/>
+              </a:spcBef>
+              <a:spcAft>
+                <a:spcPts val="0"/>
+              </a:spcAft>
+              <a:buNone/>
+            </a:pPr>
+            <a:r>
+              <a:t/>
+            </a:r>
+            <a:endParaRPr/>
+          </a:p>
+        </p:txBody>
+      </p:sp>
+    </p:spTree>
+  </p:cSld>
+  <p:clrMapOvr>
+    <a:masterClrMapping/>
+  </p:clrMapOvr>
+</p:notes>
+</file>
+
 <file path=ppt/notesSlides/notesSlide2.xml><?xml version="1.0" encoding="utf-8"?>
 <p:notes xmlns:a="http://schemas.openxmlformats.org/drawingml/2006/main" xmlns:r="http://schemas.openxmlformats.org/officeDocument/2006/relationships" xmlns:mc="http://schemas.openxmlformats.org/markup-compatibility/2006" xmlns:mv="urn:schemas-microsoft-com:mac:vml" xmlns:p="http://schemas.openxmlformats.org/presentationml/2006/main" xmlns:c="http://schemas.openxmlformats.org/drawingml/2006/chart" xmlns:dgm="http://schemas.openxmlformats.org/drawingml/2006/diagram" xmlns:o="urn:schemas-microsoft-com:office:office" xmlns:v="urn:schemas-microsoft-com:vml" xmlns:pvml="urn:schemas-microsoft-com:office:powerpoint" xmlns:com="http://schemas.openxmlformats.org/drawingml/2006/compatibility" xmlns:p14="http://schemas.microsoft.com/office/powerpoint/2010/main" xmlns:p15="http://schemas.microsoft.com/office/powerpoint/2012/main" xmlns:ahyp="http://schemas.microsoft.com/office/drawing/2018/hyperlinkcolor" showMasterPhAnim="0" showMasterSp="0">
   <p:cSld>
@@ -1024,7 +1126,7 @@
       </p:grpSpPr>
       <p:sp>
         <p:nvSpPr>
-          <p:cNvPr id="101" name="Google Shape;101;g2fb79d557bf_0_284:notes"/>
+          <p:cNvPr id="101" name="Google Shape;101;g2ff7e378932_1_9:notes"/>
           <p:cNvSpPr/>
           <p:nvPr>
             <p:ph idx="2" type="sldImg"/>
@@ -1059,7 +1161,7 @@
       </p:sp>
       <p:sp>
         <p:nvSpPr>
-          <p:cNvPr id="102" name="Google Shape;102;g2fb79d557bf_0_284:notes"/>
+          <p:cNvPr id="102" name="Google Shape;102;g2ff7e378932_1_9:notes"/>
           <p:cNvSpPr txBox="1"/>
           <p:nvPr>
             <p:ph idx="1" type="body"/>
@@ -1123,7 +1225,7 @@
       </p:grpSpPr>
       <p:sp>
         <p:nvSpPr>
-          <p:cNvPr id="107" name="Google Shape;107;g2fb79d557bf_0_294:notes"/>
+          <p:cNvPr id="107" name="Google Shape;107;g2fb79d557bf_0_284:notes"/>
           <p:cNvSpPr/>
           <p:nvPr>
             <p:ph idx="2" type="sldImg"/>
@@ -1158,7 +1260,7 @@
       </p:sp>
       <p:sp>
         <p:nvSpPr>
-          <p:cNvPr id="108" name="Google Shape;108;g2fb79d557bf_0_294:notes"/>
+          <p:cNvPr id="108" name="Google Shape;108;g2fb79d557bf_0_284:notes"/>
           <p:cNvSpPr txBox="1"/>
           <p:nvPr>
             <p:ph idx="1" type="body"/>
@@ -1222,7 +1324,7 @@
       </p:grpSpPr>
       <p:sp>
         <p:nvSpPr>
-          <p:cNvPr id="113" name="Google Shape;113;g2fb79d557bf_0_304:notes"/>
+          <p:cNvPr id="113" name="Google Shape;113;g2fb79d557bf_0_294:notes"/>
           <p:cNvSpPr/>
           <p:nvPr>
             <p:ph idx="2" type="sldImg"/>
@@ -1257,7 +1359,7 @@
       </p:sp>
       <p:sp>
         <p:nvSpPr>
-          <p:cNvPr id="114" name="Google Shape;114;g2fb79d557bf_0_304:notes"/>
+          <p:cNvPr id="114" name="Google Shape;114;g2fb79d557bf_0_294:notes"/>
           <p:cNvSpPr txBox="1"/>
           <p:nvPr>
             <p:ph idx="1" type="body"/>
@@ -1321,7 +1423,7 @@
       </p:grpSpPr>
       <p:sp>
         <p:nvSpPr>
-          <p:cNvPr id="119" name="Google Shape;119;g2fb79d557bf_0_309:notes"/>
+          <p:cNvPr id="119" name="Google Shape;119;g2fb79d557bf_0_304:notes"/>
           <p:cNvSpPr/>
           <p:nvPr>
             <p:ph idx="2" type="sldImg"/>
@@ -1356,7 +1458,205 @@
       </p:sp>
       <p:sp>
         <p:nvSpPr>
-          <p:cNvPr id="120" name="Google Shape;120;g2fb79d557bf_0_309:notes"/>
+          <p:cNvPr id="120" name="Google Shape;120;g2fb79d557bf_0_304:notes"/>
+          <p:cNvSpPr txBox="1"/>
+          <p:nvPr>
+            <p:ph idx="1" type="body"/>
+          </p:nvPr>
+        </p:nvSpPr>
+        <p:spPr>
+          <a:xfrm>
+            <a:off x="685800" y="4343400"/>
+            <a:ext cx="5486400" cy="4114800"/>
+          </a:xfrm>
+          <a:prstGeom prst="rect">
+            <a:avLst/>
+          </a:prstGeom>
+        </p:spPr>
+        <p:txBody>
+          <a:bodyPr anchorCtr="0" anchor="t" bIns="91425" lIns="91425" spcFirstLastPara="1" rIns="91425" wrap="square" tIns="91425">
+            <a:noAutofit/>
+          </a:bodyPr>
+          <a:lstStyle/>
+          <a:p>
+            <a:pPr indent="0" lvl="0" marL="0" rtl="0" algn="l">
+              <a:spcBef>
+                <a:spcPts val="0"/>
+              </a:spcBef>
+              <a:spcAft>
+                <a:spcPts val="0"/>
+              </a:spcAft>
+              <a:buNone/>
+            </a:pPr>
+            <a:r>
+              <a:t/>
+            </a:r>
+            <a:endParaRPr/>
+          </a:p>
+        </p:txBody>
+      </p:sp>
+    </p:spTree>
+  </p:cSld>
+  <p:clrMapOvr>
+    <a:masterClrMapping/>
+  </p:clrMapOvr>
+</p:notes>
+</file>
+
+<file path=ppt/notesSlides/notesSlide8.xml><?xml version="1.0" encoding="utf-8"?>
+<p:notes xmlns:a="http://schemas.openxmlformats.org/drawingml/2006/main" xmlns:r="http://schemas.openxmlformats.org/officeDocument/2006/relationships" xmlns:mc="http://schemas.openxmlformats.org/markup-compatibility/2006" xmlns:mv="urn:schemas-microsoft-com:mac:vml" xmlns:p="http://schemas.openxmlformats.org/presentationml/2006/main" xmlns:c="http://schemas.openxmlformats.org/drawingml/2006/chart" xmlns:dgm="http://schemas.openxmlformats.org/drawingml/2006/diagram" xmlns:o="urn:schemas-microsoft-com:office:office" xmlns:v="urn:schemas-microsoft-com:vml" xmlns:pvml="urn:schemas-microsoft-com:office:powerpoint" xmlns:com="http://schemas.openxmlformats.org/drawingml/2006/compatibility" xmlns:p14="http://schemas.microsoft.com/office/powerpoint/2010/main" xmlns:p15="http://schemas.microsoft.com/office/powerpoint/2012/main" xmlns:ahyp="http://schemas.microsoft.com/office/drawing/2018/hyperlinkcolor" showMasterPhAnim="0" showMasterSp="0">
+  <p:cSld>
+    <p:spTree>
+      <p:nvGrpSpPr>
+        <p:cNvPr id="124" name="Shape 124"/>
+        <p:cNvGrpSpPr/>
+        <p:nvPr/>
+      </p:nvGrpSpPr>
+      <p:grpSpPr>
+        <a:xfrm>
+          <a:off x="0" y="0"/>
+          <a:ext cx="0" cy="0"/>
+          <a:chOff x="0" y="0"/>
+          <a:chExt cx="0" cy="0"/>
+        </a:xfrm>
+      </p:grpSpPr>
+      <p:sp>
+        <p:nvSpPr>
+          <p:cNvPr id="125" name="Google Shape;125;g2fb79d557bf_0_309:notes"/>
+          <p:cNvSpPr/>
+          <p:nvPr>
+            <p:ph idx="2" type="sldImg"/>
+          </p:nvPr>
+        </p:nvSpPr>
+        <p:spPr>
+          <a:xfrm>
+            <a:off x="381300" y="685800"/>
+            <a:ext cx="6096000" cy="3429000"/>
+          </a:xfrm>
+          <a:custGeom>
+            <a:rect b="b" l="l" r="r" t="t"/>
+            <a:pathLst>
+              <a:path extrusionOk="0" h="120000" w="120000">
+                <a:moveTo>
+                  <a:pt x="0" y="0"/>
+                </a:moveTo>
+                <a:lnTo>
+                  <a:pt x="120000" y="0"/>
+                </a:lnTo>
+                <a:lnTo>
+                  <a:pt x="120000" y="120000"/>
+                </a:lnTo>
+                <a:lnTo>
+                  <a:pt x="0" y="120000"/>
+                </a:lnTo>
+                <a:close/>
+              </a:path>
+            </a:pathLst>
+          </a:custGeom>
+        </p:spPr>
+      </p:sp>
+      <p:sp>
+        <p:nvSpPr>
+          <p:cNvPr id="126" name="Google Shape;126;g2fb79d557bf_0_309:notes"/>
+          <p:cNvSpPr txBox="1"/>
+          <p:nvPr>
+            <p:ph idx="1" type="body"/>
+          </p:nvPr>
+        </p:nvSpPr>
+        <p:spPr>
+          <a:xfrm>
+            <a:off x="685800" y="4343400"/>
+            <a:ext cx="5486400" cy="4114800"/>
+          </a:xfrm>
+          <a:prstGeom prst="rect">
+            <a:avLst/>
+          </a:prstGeom>
+        </p:spPr>
+        <p:txBody>
+          <a:bodyPr anchorCtr="0" anchor="t" bIns="91425" lIns="91425" spcFirstLastPara="1" rIns="91425" wrap="square" tIns="91425">
+            <a:noAutofit/>
+          </a:bodyPr>
+          <a:lstStyle/>
+          <a:p>
+            <a:pPr indent="0" lvl="0" marL="0" rtl="0" algn="l">
+              <a:spcBef>
+                <a:spcPts val="0"/>
+              </a:spcBef>
+              <a:spcAft>
+                <a:spcPts val="0"/>
+              </a:spcAft>
+              <a:buNone/>
+            </a:pPr>
+            <a:r>
+              <a:t/>
+            </a:r>
+            <a:endParaRPr/>
+          </a:p>
+        </p:txBody>
+      </p:sp>
+    </p:spTree>
+  </p:cSld>
+  <p:clrMapOvr>
+    <a:masterClrMapping/>
+  </p:clrMapOvr>
+</p:notes>
+</file>
+
+<file path=ppt/notesSlides/notesSlide9.xml><?xml version="1.0" encoding="utf-8"?>
+<p:notes xmlns:a="http://schemas.openxmlformats.org/drawingml/2006/main" xmlns:r="http://schemas.openxmlformats.org/officeDocument/2006/relationships" xmlns:mc="http://schemas.openxmlformats.org/markup-compatibility/2006" xmlns:mv="urn:schemas-microsoft-com:mac:vml" xmlns:p="http://schemas.openxmlformats.org/presentationml/2006/main" xmlns:c="http://schemas.openxmlformats.org/drawingml/2006/chart" xmlns:dgm="http://schemas.openxmlformats.org/drawingml/2006/diagram" xmlns:o="urn:schemas-microsoft-com:office:office" xmlns:v="urn:schemas-microsoft-com:vml" xmlns:pvml="urn:schemas-microsoft-com:office:powerpoint" xmlns:com="http://schemas.openxmlformats.org/drawingml/2006/compatibility" xmlns:p14="http://schemas.microsoft.com/office/powerpoint/2010/main" xmlns:p15="http://schemas.microsoft.com/office/powerpoint/2012/main" xmlns:ahyp="http://schemas.microsoft.com/office/drawing/2018/hyperlinkcolor" showMasterPhAnim="0" showMasterSp="0">
+  <p:cSld>
+    <p:spTree>
+      <p:nvGrpSpPr>
+        <p:cNvPr id="130" name="Shape 130"/>
+        <p:cNvGrpSpPr/>
+        <p:nvPr/>
+      </p:nvGrpSpPr>
+      <p:grpSpPr>
+        <a:xfrm>
+          <a:off x="0" y="0"/>
+          <a:ext cx="0" cy="0"/>
+          <a:chOff x="0" y="0"/>
+          <a:chExt cx="0" cy="0"/>
+        </a:xfrm>
+      </p:grpSpPr>
+      <p:sp>
+        <p:nvSpPr>
+          <p:cNvPr id="131" name="Google Shape;131;g2ff540f41b7_1_2:notes"/>
+          <p:cNvSpPr/>
+          <p:nvPr>
+            <p:ph idx="2" type="sldImg"/>
+          </p:nvPr>
+        </p:nvSpPr>
+        <p:spPr>
+          <a:xfrm>
+            <a:off x="381300" y="685800"/>
+            <a:ext cx="6096000" cy="3429000"/>
+          </a:xfrm>
+          <a:custGeom>
+            <a:rect b="b" l="l" r="r" t="t"/>
+            <a:pathLst>
+              <a:path extrusionOk="0" h="120000" w="120000">
+                <a:moveTo>
+                  <a:pt x="0" y="0"/>
+                </a:moveTo>
+                <a:lnTo>
+                  <a:pt x="120000" y="0"/>
+                </a:lnTo>
+                <a:lnTo>
+                  <a:pt x="120000" y="120000"/>
+                </a:lnTo>
+                <a:lnTo>
+                  <a:pt x="0" y="120000"/>
+                </a:lnTo>
+                <a:close/>
+              </a:path>
+            </a:pathLst>
+          </a:custGeom>
+        </p:spPr>
+      </p:sp>
+      <p:sp>
+        <p:nvSpPr>
+          <p:cNvPr id="132" name="Google Shape;132;g2ff540f41b7_1_2:notes"/>
           <p:cNvSpPr txBox="1"/>
           <p:nvPr>
             <p:ph idx="1" type="body"/>
@@ -7755,7 +8055,7 @@
         </p:nvSpPr>
         <p:spPr>
           <a:xfrm>
-            <a:off x="729625" y="3172900"/>
+            <a:off x="729450" y="3161375"/>
             <a:ext cx="8019000" cy="1607400"/>
           </a:xfrm>
           <a:prstGeom prst="rect">
@@ -7778,14 +8078,26 @@
               <a:buNone/>
             </a:pPr>
             <a:r>
-              <a:rPr lang="es"/>
+              <a:rPr lang="es">
+                <a:solidFill>
+                  <a:schemeClr val="dk2"/>
+                </a:solidFill>
+              </a:rPr>
               <a:t>Cristian</a:t>
             </a:r>
             <a:r>
-              <a:rPr lang="es"/>
+              <a:rPr lang="es">
+                <a:solidFill>
+                  <a:schemeClr val="dk2"/>
+                </a:solidFill>
+              </a:rPr>
               <a:t> Salvo</a:t>
             </a:r>
-            <a:endParaRPr/>
+            <a:endParaRPr>
+              <a:solidFill>
+                <a:schemeClr val="dk2"/>
+              </a:solidFill>
+            </a:endParaRPr>
           </a:p>
           <a:p>
             <a:pPr indent="0" lvl="0" marL="0" rtl="0" algn="l">
@@ -7798,10 +8110,18 @@
               <a:buNone/>
             </a:pPr>
             <a:r>
-              <a:rPr lang="es"/>
+              <a:rPr lang="es">
+                <a:solidFill>
+                  <a:schemeClr val="dk2"/>
+                </a:solidFill>
+              </a:rPr>
               <a:t>Fabián Cortés  </a:t>
             </a:r>
-            <a:endParaRPr/>
+            <a:endParaRPr>
+              <a:solidFill>
+                <a:schemeClr val="dk2"/>
+              </a:solidFill>
+            </a:endParaRPr>
           </a:p>
           <a:p>
             <a:pPr indent="0" lvl="0" marL="0" rtl="0" algn="l">
@@ -7814,13 +8134,114 @@
               <a:buNone/>
             </a:pPr>
             <a:r>
+              <a:rPr lang="es">
+                <a:solidFill>
+                  <a:schemeClr val="dk2"/>
+                </a:solidFill>
+              </a:rPr>
+              <a:t>Kevin Olguin</a:t>
+            </a:r>
+            <a:endParaRPr>
+              <a:solidFill>
+                <a:schemeClr val="dk2"/>
+              </a:solidFill>
+            </a:endParaRPr>
+          </a:p>
+        </p:txBody>
+      </p:sp>
+    </p:spTree>
+  </p:cSld>
+  <p:clrMapOvr>
+    <a:masterClrMapping/>
+  </p:clrMapOvr>
+</p:sld>
+</file>
+
+<file path=ppt/slides/slide10.xml><?xml version="1.0" encoding="utf-8"?>
+<p:sld xmlns:a="http://schemas.openxmlformats.org/drawingml/2006/main" xmlns:r="http://schemas.openxmlformats.org/officeDocument/2006/relationships" xmlns:mc="http://schemas.openxmlformats.org/markup-compatibility/2006" xmlns:mv="urn:schemas-microsoft-com:mac:vml" xmlns:p="http://schemas.openxmlformats.org/presentationml/2006/main" xmlns:c="http://schemas.openxmlformats.org/drawingml/2006/chart" xmlns:dgm="http://schemas.openxmlformats.org/drawingml/2006/diagram" xmlns:o="urn:schemas-microsoft-com:office:office" xmlns:v="urn:schemas-microsoft-com:vml" xmlns:pvml="urn:schemas-microsoft-com:office:powerpoint" xmlns:com="http://schemas.openxmlformats.org/drawingml/2006/compatibility" xmlns:p14="http://schemas.microsoft.com/office/powerpoint/2010/main" xmlns:p15="http://schemas.microsoft.com/office/powerpoint/2012/main" xmlns:ahyp="http://schemas.microsoft.com/office/drawing/2018/hyperlinkcolor">
+  <p:cSld>
+    <p:spTree>
+      <p:nvGrpSpPr>
+        <p:cNvPr id="141" name="Shape 141"/>
+        <p:cNvGrpSpPr/>
+        <p:nvPr/>
+      </p:nvGrpSpPr>
+      <p:grpSpPr>
+        <a:xfrm>
+          <a:off x="0" y="0"/>
+          <a:ext cx="0" cy="0"/>
+          <a:chOff x="0" y="0"/>
+          <a:chExt cx="0" cy="0"/>
+        </a:xfrm>
+      </p:grpSpPr>
+      <p:sp>
+        <p:nvSpPr>
+          <p:cNvPr id="142" name="Google Shape;142;p22"/>
+          <p:cNvSpPr txBox="1"/>
+          <p:nvPr>
+            <p:ph type="title"/>
+          </p:nvPr>
+        </p:nvSpPr>
+        <p:spPr>
+          <a:xfrm>
+            <a:off x="727650" y="449325"/>
+            <a:ext cx="7688700" cy="535200"/>
+          </a:xfrm>
+          <a:prstGeom prst="rect">
+            <a:avLst/>
+          </a:prstGeom>
+        </p:spPr>
+        <p:txBody>
+          <a:bodyPr anchorCtr="0" anchor="t" bIns="91425" lIns="91425" spcFirstLastPara="1" rIns="91425" wrap="square" tIns="91425">
+            <a:normAutofit fontScale="90000"/>
+          </a:bodyPr>
+          <a:lstStyle/>
+          <a:p>
+            <a:pPr indent="0" lvl="0" marL="0" rtl="0" algn="l">
+              <a:spcBef>
+                <a:spcPts val="0"/>
+              </a:spcBef>
+              <a:spcAft>
+                <a:spcPts val="0"/>
+              </a:spcAft>
+              <a:buNone/>
+            </a:pPr>
+            <a:r>
               <a:rPr lang="es"/>
-              <a:t>Kevin Olguin</a:t>
+              <a:t>Carta gantt</a:t>
             </a:r>
             <a:endParaRPr/>
           </a:p>
         </p:txBody>
       </p:sp>
+      <p:pic>
+        <p:nvPicPr>
+          <p:cNvPr id="143" name="Google Shape;143;p22"/>
+          <p:cNvPicPr preferRelativeResize="0"/>
+          <p:nvPr/>
+        </p:nvPicPr>
+        <p:blipFill>
+          <a:blip r:embed="rId3">
+            <a:alphaModFix/>
+          </a:blip>
+          <a:stretch>
+            <a:fillRect/>
+          </a:stretch>
+        </p:blipFill>
+        <p:spPr>
+          <a:xfrm>
+            <a:off x="822878" y="927375"/>
+            <a:ext cx="7498247" cy="4216125"/>
+          </a:xfrm>
+          <a:prstGeom prst="rect">
+            <a:avLst/>
+          </a:prstGeom>
+          <a:noFill/>
+          <a:ln>
+            <a:noFill/>
+          </a:ln>
+        </p:spPr>
+      </p:pic>
     </p:spTree>
   </p:cSld>
   <p:clrMapOvr>
@@ -7896,8 +8317,8 @@
         </p:nvSpPr>
         <p:spPr>
           <a:xfrm>
-            <a:off x="729450" y="2078875"/>
-            <a:ext cx="7688700" cy="2261100"/>
+            <a:off x="520075" y="1909425"/>
+            <a:ext cx="7688700" cy="2664300"/>
           </a:xfrm>
           <a:prstGeom prst="rect">
             <a:avLst/>
@@ -7905,11 +8326,11 @@
         </p:spPr>
         <p:txBody>
           <a:bodyPr anchorCtr="0" anchor="t" bIns="91425" lIns="91425" spcFirstLastPara="1" rIns="91425" wrap="square" tIns="91425">
-            <a:normAutofit/>
+            <a:noAutofit/>
           </a:bodyPr>
           <a:lstStyle/>
           <a:p>
-            <a:pPr indent="0" lvl="0" marL="0" rtl="0" algn="l">
+            <a:pPr indent="0" lvl="0" marL="457200" rtl="0" algn="l">
               <a:spcBef>
                 <a:spcPts val="0"/>
               </a:spcBef>
@@ -7919,18 +8340,213 @@
               <a:buNone/>
             </a:pPr>
             <a:r>
-              <a:rPr lang="es" sz="1200"/>
-              <a:t>Una de las organizaciones comunitarias más desatendidas (en términos </a:t>
-            </a:r>
-            <a:r>
-              <a:rPr lang="es" sz="1200"/>
-              <a:t>tecnológicos</a:t>
-            </a:r>
-            <a:r>
-              <a:rPr lang="es" sz="1200"/>
-              <a:t>) es la junta de vecinos.</a:t>
-            </a:r>
-            <a:endParaRPr sz="1200"/>
+              <a:t/>
+            </a:r>
+            <a:endParaRPr sz="1322">
+              <a:solidFill>
+                <a:schemeClr val="dk2"/>
+              </a:solidFill>
+            </a:endParaRPr>
+          </a:p>
+          <a:p>
+            <a:pPr indent="-312578" lvl="0" marL="457200" rtl="0" algn="l">
+              <a:spcBef>
+                <a:spcPts val="1200"/>
+              </a:spcBef>
+              <a:spcAft>
+                <a:spcPts val="0"/>
+              </a:spcAft>
+              <a:buClr>
+                <a:schemeClr val="dk2"/>
+              </a:buClr>
+              <a:buSzPts val="1323"/>
+              <a:buChar char="●"/>
+            </a:pPr>
+            <a:r>
+              <a:rPr lang="es" sz="1322">
+                <a:solidFill>
+                  <a:schemeClr val="dk2"/>
+                </a:solidFill>
+              </a:rPr>
+              <a:t>El estado, municipalidades y juntas de vecinos son las </a:t>
+            </a:r>
+            <a:r>
+              <a:rPr lang="es" sz="1322">
+                <a:solidFill>
+                  <a:schemeClr val="dk2"/>
+                </a:solidFill>
+              </a:rPr>
+              <a:t>más</a:t>
+            </a:r>
+            <a:r>
+              <a:rPr lang="es" sz="1322">
+                <a:solidFill>
+                  <a:schemeClr val="dk2"/>
+                </a:solidFill>
+              </a:rPr>
+              <a:t> desatendidas en cuanto al uso de la </a:t>
+            </a:r>
+            <a:r>
+              <a:rPr lang="es" sz="1322">
+                <a:solidFill>
+                  <a:schemeClr val="dk2"/>
+                </a:solidFill>
+              </a:rPr>
+              <a:t>tecnología</a:t>
+            </a:r>
+            <a:r>
+              <a:rPr lang="es" sz="1322">
+                <a:solidFill>
+                  <a:schemeClr val="dk2"/>
+                </a:solidFill>
+              </a:rPr>
+              <a:t>. </a:t>
+            </a:r>
+            <a:endParaRPr sz="1322">
+              <a:solidFill>
+                <a:schemeClr val="dk2"/>
+              </a:solidFill>
+            </a:endParaRPr>
+          </a:p>
+          <a:p>
+            <a:pPr indent="-312578" lvl="0" marL="457200" rtl="0" algn="l">
+              <a:spcBef>
+                <a:spcPts val="0"/>
+              </a:spcBef>
+              <a:spcAft>
+                <a:spcPts val="0"/>
+              </a:spcAft>
+              <a:buClr>
+                <a:schemeClr val="dk2"/>
+              </a:buClr>
+              <a:buSzPts val="1323"/>
+              <a:buChar char="●"/>
+            </a:pPr>
+            <a:r>
+              <a:rPr lang="es" sz="1322">
+                <a:solidFill>
+                  <a:schemeClr val="dk2"/>
+                </a:solidFill>
+              </a:rPr>
+              <a:t>Una junta de vecinos es una </a:t>
+            </a:r>
+            <a:r>
+              <a:rPr lang="es" sz="1322">
+                <a:solidFill>
+                  <a:schemeClr val="dk2"/>
+                </a:solidFill>
+              </a:rPr>
+              <a:t>organización</a:t>
+            </a:r>
+            <a:r>
+              <a:rPr lang="es" sz="1322">
+                <a:solidFill>
+                  <a:schemeClr val="dk2"/>
+                </a:solidFill>
+              </a:rPr>
+              <a:t> comunitaria de </a:t>
+            </a:r>
+            <a:r>
+              <a:rPr lang="es" sz="1322">
+                <a:solidFill>
+                  <a:schemeClr val="dk2"/>
+                </a:solidFill>
+              </a:rPr>
+              <a:t>carácter</a:t>
+            </a:r>
+            <a:r>
+              <a:rPr lang="es" sz="1322">
+                <a:solidFill>
+                  <a:schemeClr val="dk2"/>
+                </a:solidFill>
+              </a:rPr>
+              <a:t> territorial, representan a las personas que residen en un barrio.</a:t>
+            </a:r>
+            <a:endParaRPr sz="1322">
+              <a:solidFill>
+                <a:schemeClr val="dk2"/>
+              </a:solidFill>
+            </a:endParaRPr>
+          </a:p>
+          <a:p>
+            <a:pPr indent="-311150" lvl="0" marL="457200" rtl="0" algn="l">
+              <a:spcBef>
+                <a:spcPts val="0"/>
+              </a:spcBef>
+              <a:spcAft>
+                <a:spcPts val="0"/>
+              </a:spcAft>
+              <a:buClr>
+                <a:schemeClr val="dk2"/>
+              </a:buClr>
+              <a:buSzPts val="1300"/>
+              <a:buChar char="●"/>
+            </a:pPr>
+            <a:r>
+              <a:rPr lang="es" sz="1322">
+                <a:solidFill>
+                  <a:schemeClr val="dk2"/>
+                </a:solidFill>
+              </a:rPr>
+              <a:t>Este proyecto propone una </a:t>
+            </a:r>
+            <a:r>
+              <a:rPr lang="es" sz="1322">
+                <a:solidFill>
+                  <a:schemeClr val="dk2"/>
+                </a:solidFill>
+              </a:rPr>
+              <a:t>solución</a:t>
+            </a:r>
+            <a:r>
+              <a:rPr lang="es" sz="1322">
+                <a:solidFill>
+                  <a:schemeClr val="dk2"/>
+                </a:solidFill>
+              </a:rPr>
+              <a:t> TI que se pueda adaptar a la realidad de cualquier junta de vecinos de Chile y solucione las necesidades de su directorio y los vecinos que residan una  unidad vecinal</a:t>
+            </a:r>
+            <a:r>
+              <a:rPr lang="es" sz="1522">
+                <a:solidFill>
+                  <a:schemeClr val="dk2"/>
+                </a:solidFill>
+              </a:rPr>
+              <a:t>.</a:t>
+            </a:r>
+            <a:endParaRPr sz="1522">
+              <a:solidFill>
+                <a:schemeClr val="dk2"/>
+              </a:solidFill>
+            </a:endParaRPr>
+          </a:p>
+          <a:p>
+            <a:pPr indent="-312578" lvl="0" marL="457200" rtl="0" algn="l">
+              <a:spcBef>
+                <a:spcPts val="0"/>
+              </a:spcBef>
+              <a:spcAft>
+                <a:spcPts val="0"/>
+              </a:spcAft>
+              <a:buClr>
+                <a:schemeClr val="dk2"/>
+              </a:buClr>
+              <a:buSzPts val="1323"/>
+              <a:buChar char="●"/>
+            </a:pPr>
+            <a:r>
+              <a:rPr lang="es" sz="1322">
+                <a:solidFill>
+                  <a:schemeClr val="dk2"/>
+                </a:solidFill>
+              </a:rPr>
+              <a:t>Sean mayores de 14 años.</a:t>
+            </a:r>
+            <a:endParaRPr sz="1322">
+              <a:solidFill>
+                <a:schemeClr val="dk2"/>
+              </a:solidFill>
+            </a:endParaRPr>
           </a:p>
           <a:p>
             <a:pPr indent="0" lvl="0" marL="0" rtl="0" algn="l">
@@ -7938,15 +8554,60 @@
                 <a:spcPts val="1200"/>
               </a:spcBef>
               <a:spcAft>
+                <a:spcPts val="0"/>
+              </a:spcAft>
+              <a:buNone/>
+            </a:pPr>
+            <a:r>
+              <a:t/>
+            </a:r>
+            <a:endParaRPr sz="1522"/>
+          </a:p>
+          <a:p>
+            <a:pPr indent="0" lvl="0" marL="0" rtl="0" algn="l">
+              <a:spcBef>
                 <a:spcPts val="1200"/>
+              </a:spcBef>
+              <a:spcAft>
+                <a:spcPts val="0"/>
               </a:spcAft>
               <a:buNone/>
             </a:pPr>
             <a:r>
-              <a:rPr lang="es" sz="1200"/>
-              <a:t>Las funciones de una junta de vecinos son organizar eventos, gestionar proyectos y documentos de los habitantes por lo que se debe implementar una solución que pueda satisfacer dichas necesidades y así mejorar la calidad de vida de los vecinos. Para ello se va a desarrollar un proyecto llamado “Sistema unidad territorial”.</a:t>
-            </a:r>
-            <a:endParaRPr sz="1200"/>
+              <a:t/>
+            </a:r>
+            <a:endParaRPr sz="1522"/>
+          </a:p>
+          <a:p>
+            <a:pPr indent="0" lvl="0" marL="0" rtl="0" algn="l">
+              <a:spcBef>
+                <a:spcPts val="1200"/>
+              </a:spcBef>
+              <a:spcAft>
+                <a:spcPts val="0"/>
+              </a:spcAft>
+              <a:buNone/>
+            </a:pPr>
+            <a:r>
+              <a:t/>
+            </a:r>
+            <a:endParaRPr sz="1522"/>
+          </a:p>
+          <a:p>
+            <a:pPr indent="0" lvl="0" marL="0" rtl="0" algn="l">
+              <a:spcBef>
+                <a:spcPts val="1200"/>
+              </a:spcBef>
+              <a:spcAft>
+                <a:spcPts val="1200"/>
+              </a:spcAft>
+              <a:buSzPts val="358"/>
+              <a:buNone/>
+            </a:pPr>
+            <a:r>
+              <a:t/>
+            </a:r>
+            <a:endParaRPr sz="522"/>
           </a:p>
         </p:txBody>
       </p:sp>
@@ -8025,12 +8686,15 @@
         </p:nvSpPr>
         <p:spPr>
           <a:xfrm>
-            <a:off x="729450" y="2078875"/>
-            <a:ext cx="7688700" cy="2261100"/>
+            <a:off x="727650" y="1940425"/>
+            <a:ext cx="7688700" cy="2656800"/>
           </a:xfrm>
           <a:prstGeom prst="rect">
             <a:avLst/>
           </a:prstGeom>
+          <a:ln>
+            <a:noFill/>
+          </a:ln>
         </p:spPr>
         <p:txBody>
           <a:bodyPr anchorCtr="0" anchor="t" bIns="91425" lIns="91425" spcFirstLastPara="1" rIns="91425" wrap="square" tIns="91425">
@@ -8038,39 +8702,305 @@
           </a:bodyPr>
           <a:lstStyle/>
           <a:p>
-            <a:pPr indent="0" lvl="0" marL="0" rtl="0" algn="just">
+            <a:pPr indent="0" lvl="0" marL="126000" marR="127000" rtl="0" algn="l">
               <a:lnSpc>
-                <a:spcPct val="107916"/>
+                <a:spcPct val="170000"/>
               </a:lnSpc>
               <a:spcBef>
-                <a:spcPts val="0"/>
-              </a:spcBef>
-              <a:spcAft>
-                <a:spcPts val="800"/>
+                <a:spcPts val="1100"/>
+              </a:spcBef>
+              <a:spcAft>
+                <a:spcPts val="0"/>
               </a:spcAft>
               <a:buNone/>
             </a:pPr>
             <a:r>
-              <a:rPr lang="es"/>
-              <a:t>Este proyecto propone una solución TI (página web) que se pueda adaptar a la realidad de cualquier junta de vecinos de Chile y solucione las necesidades de su directorio y los vecinos que residan en la unidad vecinal. Se espera que el proyecto </a:t>
-            </a:r>
-            <a:r>
-              <a:rPr lang="es"/>
-              <a:t>permita</a:t>
-            </a:r>
-            <a:r>
-              <a:rPr lang="es"/>
-              <a:t> desarrollar actividades, proyectos, documentos y por </a:t>
-            </a:r>
-            <a:r>
-              <a:rPr lang="es"/>
-              <a:t>último organizar </a:t>
-            </a:r>
-            <a:r>
-              <a:rPr lang="es"/>
-              <a:t> a los integrantes de la junta de vecinos.</a:t>
-            </a:r>
-            <a:endParaRPr sz="1700"/>
+              <a:rPr lang="es">
+                <a:solidFill>
+                  <a:schemeClr val="dk2"/>
+                </a:solidFill>
+              </a:rPr>
+              <a:t>Construir un sistema para mejorar la </a:t>
+            </a:r>
+            <a:r>
+              <a:rPr lang="es">
+                <a:solidFill>
+                  <a:schemeClr val="dk2"/>
+                </a:solidFill>
+              </a:rPr>
+              <a:t>gestión</a:t>
+            </a:r>
+            <a:r>
+              <a:rPr lang="es">
+                <a:solidFill>
+                  <a:schemeClr val="dk2"/>
+                </a:solidFill>
+              </a:rPr>
+              <a:t> de una unidad territorial. Los requerimientos son: </a:t>
+            </a:r>
+            <a:endParaRPr>
+              <a:solidFill>
+                <a:schemeClr val="dk2"/>
+              </a:solidFill>
+            </a:endParaRPr>
+          </a:p>
+          <a:p>
+            <a:pPr indent="0" lvl="0" marL="126000" marR="127000" rtl="0" algn="l">
+              <a:lnSpc>
+                <a:spcPct val="170000"/>
+              </a:lnSpc>
+              <a:spcBef>
+                <a:spcPts val="1100"/>
+              </a:spcBef>
+              <a:spcAft>
+                <a:spcPts val="0"/>
+              </a:spcAft>
+              <a:buNone/>
+            </a:pPr>
+            <a:r>
+              <a:rPr lang="es">
+                <a:solidFill>
+                  <a:schemeClr val="dk2"/>
+                </a:solidFill>
+              </a:rPr>
+              <a:t>Uso interno:</a:t>
+            </a:r>
+            <a:endParaRPr>
+              <a:solidFill>
+                <a:schemeClr val="dk2"/>
+              </a:solidFill>
+            </a:endParaRPr>
+          </a:p>
+          <a:p>
+            <a:pPr indent="-311150" lvl="1" marL="914400" rtl="0" algn="just">
+              <a:lnSpc>
+                <a:spcPct val="100000"/>
+              </a:lnSpc>
+              <a:spcBef>
+                <a:spcPts val="200"/>
+              </a:spcBef>
+              <a:spcAft>
+                <a:spcPts val="0"/>
+              </a:spcAft>
+              <a:buClr>
+                <a:schemeClr val="dk2"/>
+              </a:buClr>
+              <a:buSzPts val="1300"/>
+              <a:buFont typeface="Calibri"/>
+              <a:buChar char="○"/>
+            </a:pPr>
+            <a:r>
+              <a:rPr lang="es" sz="1300">
+                <a:solidFill>
+                  <a:schemeClr val="dk2"/>
+                </a:solidFill>
+                <a:latin typeface="Calibri"/>
+                <a:ea typeface="Calibri"/>
+                <a:cs typeface="Calibri"/>
+                <a:sym typeface="Calibri"/>
+              </a:rPr>
+              <a:t>Manejo de inscripción de vecinos en la junta de vecinos.</a:t>
+            </a:r>
+            <a:endParaRPr sz="1300">
+              <a:solidFill>
+                <a:schemeClr val="dk2"/>
+              </a:solidFill>
+              <a:latin typeface="Calibri"/>
+              <a:ea typeface="Calibri"/>
+              <a:cs typeface="Calibri"/>
+              <a:sym typeface="Calibri"/>
+            </a:endParaRPr>
+          </a:p>
+          <a:p>
+            <a:pPr indent="-311150" lvl="1" marL="914400" rtl="0" algn="just">
+              <a:lnSpc>
+                <a:spcPct val="100000"/>
+              </a:lnSpc>
+              <a:spcBef>
+                <a:spcPts val="0"/>
+              </a:spcBef>
+              <a:spcAft>
+                <a:spcPts val="0"/>
+              </a:spcAft>
+              <a:buClr>
+                <a:schemeClr val="dk2"/>
+              </a:buClr>
+              <a:buSzPts val="1300"/>
+              <a:buFont typeface="Calibri"/>
+              <a:buChar char="○"/>
+            </a:pPr>
+            <a:r>
+              <a:rPr lang="es" sz="1300">
+                <a:solidFill>
+                  <a:schemeClr val="dk2"/>
+                </a:solidFill>
+                <a:latin typeface="Calibri"/>
+                <a:ea typeface="Calibri"/>
+                <a:cs typeface="Calibri"/>
+                <a:sym typeface="Calibri"/>
+              </a:rPr>
+              <a:t>Manejo de solicitud y emisión de certificados de residencia.</a:t>
+            </a:r>
+            <a:endParaRPr sz="1300">
+              <a:solidFill>
+                <a:schemeClr val="dk2"/>
+              </a:solidFill>
+              <a:latin typeface="Calibri"/>
+              <a:ea typeface="Calibri"/>
+              <a:cs typeface="Calibri"/>
+              <a:sym typeface="Calibri"/>
+            </a:endParaRPr>
+          </a:p>
+          <a:p>
+            <a:pPr indent="-311150" lvl="1" marL="914400" rtl="0" algn="just">
+              <a:lnSpc>
+                <a:spcPct val="100000"/>
+              </a:lnSpc>
+              <a:spcBef>
+                <a:spcPts val="0"/>
+              </a:spcBef>
+              <a:spcAft>
+                <a:spcPts val="0"/>
+              </a:spcAft>
+              <a:buClr>
+                <a:schemeClr val="dk2"/>
+              </a:buClr>
+              <a:buSzPts val="1300"/>
+              <a:buFont typeface="Calibri"/>
+              <a:buChar char="○"/>
+            </a:pPr>
+            <a:r>
+              <a:rPr lang="es" sz="1300">
+                <a:solidFill>
+                  <a:schemeClr val="dk2"/>
+                </a:solidFill>
+                <a:latin typeface="Calibri"/>
+                <a:ea typeface="Calibri"/>
+                <a:cs typeface="Calibri"/>
+                <a:sym typeface="Calibri"/>
+              </a:rPr>
+              <a:t>Manejo de postulación de proyectos vecinales.</a:t>
+            </a:r>
+            <a:endParaRPr sz="1300">
+              <a:solidFill>
+                <a:schemeClr val="dk2"/>
+              </a:solidFill>
+              <a:latin typeface="Calibri"/>
+              <a:ea typeface="Calibri"/>
+              <a:cs typeface="Calibri"/>
+              <a:sym typeface="Calibri"/>
+            </a:endParaRPr>
+          </a:p>
+          <a:p>
+            <a:pPr indent="0" lvl="0" marL="914400" rtl="0" algn="just">
+              <a:lnSpc>
+                <a:spcPct val="100000"/>
+              </a:lnSpc>
+              <a:spcBef>
+                <a:spcPts val="0"/>
+              </a:spcBef>
+              <a:spcAft>
+                <a:spcPts val="0"/>
+              </a:spcAft>
+              <a:buNone/>
+            </a:pPr>
+            <a:r>
+              <a:rPr lang="es">
+                <a:solidFill>
+                  <a:schemeClr val="dk2"/>
+                </a:solidFill>
+                <a:latin typeface="Calibri"/>
+                <a:ea typeface="Calibri"/>
+                <a:cs typeface="Calibri"/>
+                <a:sym typeface="Calibri"/>
+              </a:rPr>
+              <a:t>(Esto es, las diligencias planteadas deben ser revisadas y aprobadas o rechazadas por el directorio o personal autorizado, los solicitantes deben recibir vía email la resolución).</a:t>
+            </a:r>
+            <a:endParaRPr>
+              <a:solidFill>
+                <a:schemeClr val="dk2"/>
+              </a:solidFill>
+              <a:latin typeface="Calibri"/>
+              <a:ea typeface="Calibri"/>
+              <a:cs typeface="Calibri"/>
+              <a:sym typeface="Calibri"/>
+            </a:endParaRPr>
+          </a:p>
+          <a:p>
+            <a:pPr indent="-311150" lvl="1" marL="914400" rtl="0" algn="just">
+              <a:lnSpc>
+                <a:spcPct val="100000"/>
+              </a:lnSpc>
+              <a:spcBef>
+                <a:spcPts val="0"/>
+              </a:spcBef>
+              <a:spcAft>
+                <a:spcPts val="0"/>
+              </a:spcAft>
+              <a:buClr>
+                <a:schemeClr val="dk2"/>
+              </a:buClr>
+              <a:buSzPts val="1300"/>
+              <a:buFont typeface="Calibri"/>
+              <a:buChar char="○"/>
+            </a:pPr>
+            <a:r>
+              <a:rPr lang="es" sz="1300">
+                <a:solidFill>
+                  <a:schemeClr val="dk2"/>
+                </a:solidFill>
+                <a:latin typeface="Calibri"/>
+                <a:ea typeface="Calibri"/>
+                <a:cs typeface="Calibri"/>
+                <a:sym typeface="Calibri"/>
+              </a:rPr>
+              <a:t>Envío de notificaciones y avisos a los habitantes de la unidad territorial vía aviso tipo afiche, email y/o WhatsApp.</a:t>
+            </a:r>
+            <a:endParaRPr sz="1300">
+              <a:solidFill>
+                <a:schemeClr val="dk2"/>
+              </a:solidFill>
+              <a:latin typeface="Calibri"/>
+              <a:ea typeface="Calibri"/>
+              <a:cs typeface="Calibri"/>
+              <a:sym typeface="Calibri"/>
+            </a:endParaRPr>
+          </a:p>
+          <a:p>
+            <a:pPr indent="-311150" lvl="1" marL="914400" rtl="0" algn="just">
+              <a:lnSpc>
+                <a:spcPct val="100000"/>
+              </a:lnSpc>
+              <a:spcBef>
+                <a:spcPts val="0"/>
+              </a:spcBef>
+              <a:spcAft>
+                <a:spcPts val="0"/>
+              </a:spcAft>
+              <a:buClr>
+                <a:schemeClr val="dk2"/>
+              </a:buClr>
+              <a:buSzPts val="1300"/>
+              <a:buFont typeface="Calibri"/>
+              <a:buChar char="○"/>
+            </a:pPr>
+            <a:r>
+              <a:rPr lang="es" sz="1300">
+                <a:solidFill>
+                  <a:schemeClr val="dk2"/>
+                </a:solidFill>
+                <a:latin typeface="Calibri"/>
+                <a:ea typeface="Calibri"/>
+                <a:cs typeface="Calibri"/>
+                <a:sym typeface="Calibri"/>
+              </a:rPr>
+              <a:t>Publicación de noticias.</a:t>
+            </a:r>
+            <a:endParaRPr sz="1500">
+              <a:solidFill>
+                <a:schemeClr val="dk2"/>
+              </a:solidFill>
+            </a:endParaRPr>
           </a:p>
         </p:txBody>
       </p:sp>
@@ -8133,7 +9063,7 @@
             </a:pPr>
             <a:r>
               <a:rPr lang="es"/>
-              <a:t>Objetivos</a:t>
+              <a:t>Descripción del proyecto</a:t>
             </a:r>
             <a:endParaRPr/>
           </a:p>
@@ -8149,110 +9079,180 @@
         </p:nvSpPr>
         <p:spPr>
           <a:xfrm>
-            <a:off x="729450" y="2078875"/>
-            <a:ext cx="7688700" cy="2261100"/>
+            <a:off x="727650" y="1940425"/>
+            <a:ext cx="7688700" cy="2656800"/>
           </a:xfrm>
           <a:prstGeom prst="rect">
             <a:avLst/>
           </a:prstGeom>
+          <a:ln>
+            <a:noFill/>
+          </a:ln>
         </p:spPr>
         <p:txBody>
           <a:bodyPr anchorCtr="0" anchor="t" bIns="91425" lIns="91425" spcFirstLastPara="1" rIns="91425" wrap="square" tIns="91425">
-            <a:noAutofit/>
+            <a:normAutofit/>
           </a:bodyPr>
           <a:lstStyle/>
           <a:p>
-            <a:pPr indent="0" lvl="0" marL="0" rtl="0" algn="l">
+            <a:pPr indent="0" lvl="0" marL="0" marR="127000" rtl="0" algn="l">
               <a:lnSpc>
-                <a:spcPct val="95000"/>
+                <a:spcPct val="170000"/>
               </a:lnSpc>
               <a:spcBef>
-                <a:spcPts val="0"/>
-              </a:spcBef>
-              <a:spcAft>
-                <a:spcPts val="0"/>
-              </a:spcAft>
-              <a:buSzPts val="275"/>
+                <a:spcPts val="1100"/>
+              </a:spcBef>
+              <a:spcAft>
+                <a:spcPts val="0"/>
+              </a:spcAft>
               <a:buNone/>
             </a:pPr>
             <a:r>
-              <a:rPr lang="es" sz="1100"/>
-              <a:t>Los objetivos generales de este sistema son mejorar la gestión de la información de la junta de vecinos, esto incluye tanto las actividades sociales como los aspectos legales.</a:t>
-            </a:r>
-            <a:endParaRPr sz="1100"/>
+              <a:rPr lang="es">
+                <a:solidFill>
+                  <a:schemeClr val="dk2"/>
+                </a:solidFill>
+              </a:rPr>
+              <a:t>     </a:t>
+            </a:r>
+            <a:r>
+              <a:rPr lang="es">
+                <a:solidFill>
+                  <a:schemeClr val="dk2"/>
+                </a:solidFill>
+              </a:rPr>
+              <a:t>Uso publico:</a:t>
+            </a:r>
+            <a:endParaRPr>
+              <a:solidFill>
+                <a:schemeClr val="dk2"/>
+              </a:solidFill>
+            </a:endParaRPr>
           </a:p>
           <a:p>
-            <a:pPr indent="0" lvl="0" marL="0" rtl="0" algn="l">
+            <a:pPr indent="-311150" lvl="1" marL="914400" rtl="0" algn="just">
               <a:lnSpc>
-                <a:spcPct val="95000"/>
+                <a:spcPct val="100000"/>
               </a:lnSpc>
               <a:spcBef>
-                <a:spcPts val="1200"/>
-              </a:spcBef>
-              <a:spcAft>
-                <a:spcPts val="0"/>
-              </a:spcAft>
-              <a:buSzPts val="275"/>
-              <a:buNone/>
+                <a:spcPts val="200"/>
+              </a:spcBef>
+              <a:spcAft>
+                <a:spcPts val="0"/>
+              </a:spcAft>
+              <a:buClr>
+                <a:srgbClr val="000000"/>
+              </a:buClr>
+              <a:buSzPts val="1300"/>
+              <a:buFont typeface="Calibri"/>
+              <a:buChar char="○"/>
             </a:pPr>
             <a:r>
-              <a:rPr lang="es" sz="1100"/>
-              <a:t>Algunos de los objetivos </a:t>
-            </a:r>
-            <a:r>
-              <a:rPr lang="es" sz="1100"/>
-              <a:t>específicos</a:t>
-            </a:r>
-            <a:r>
-              <a:rPr lang="es" sz="1100"/>
-              <a:t> de este proyecto son:</a:t>
-            </a:r>
-            <a:endParaRPr sz="1100"/>
+              <a:rPr lang="es" sz="1300">
+                <a:solidFill>
+                  <a:srgbClr val="000000"/>
+                </a:solidFill>
+                <a:latin typeface="Calibri"/>
+                <a:ea typeface="Calibri"/>
+                <a:cs typeface="Calibri"/>
+                <a:sym typeface="Calibri"/>
+              </a:rPr>
+              <a:t>Inscripción de vecinos en la junta de vecinos.</a:t>
+            </a:r>
+            <a:endParaRPr sz="1300">
+              <a:solidFill>
+                <a:srgbClr val="000000"/>
+              </a:solidFill>
+              <a:latin typeface="Calibri"/>
+              <a:ea typeface="Calibri"/>
+              <a:cs typeface="Calibri"/>
+              <a:sym typeface="Calibri"/>
+            </a:endParaRPr>
           </a:p>
           <a:p>
-            <a:pPr indent="0" lvl="0" marL="0" rtl="0" algn="l">
+            <a:pPr indent="-311150" lvl="1" marL="914400" rtl="0" algn="just">
               <a:lnSpc>
-                <a:spcPct val="95000"/>
+                <a:spcPct val="100000"/>
               </a:lnSpc>
               <a:spcBef>
-                <a:spcPts val="1200"/>
-              </a:spcBef>
-              <a:spcAft>
-                <a:spcPts val="0"/>
-              </a:spcAft>
-              <a:buSzPts val="275"/>
-              <a:buNone/>
+                <a:spcPts val="0"/>
+              </a:spcBef>
+              <a:spcAft>
+                <a:spcPts val="0"/>
+              </a:spcAft>
+              <a:buClr>
+                <a:srgbClr val="000000"/>
+              </a:buClr>
+              <a:buSzPts val="1300"/>
+              <a:buFont typeface="Calibri"/>
+              <a:buChar char="○"/>
             </a:pPr>
             <a:r>
-              <a:rPr lang="es" sz="1100"/>
-              <a:t>Uso público:</a:t>
-            </a:r>
-            <a:endParaRPr sz="1100"/>
+              <a:rPr lang="es" sz="1300">
+                <a:solidFill>
+                  <a:srgbClr val="000000"/>
+                </a:solidFill>
+                <a:latin typeface="Calibri"/>
+                <a:ea typeface="Calibri"/>
+                <a:cs typeface="Calibri"/>
+                <a:sym typeface="Calibri"/>
+              </a:rPr>
+              <a:t>Solicitud y emisión de certificados de residencia.</a:t>
+            </a:r>
+            <a:endParaRPr sz="1300">
+              <a:solidFill>
+                <a:srgbClr val="000000"/>
+              </a:solidFill>
+              <a:latin typeface="Calibri"/>
+              <a:ea typeface="Calibri"/>
+              <a:cs typeface="Calibri"/>
+              <a:sym typeface="Calibri"/>
+            </a:endParaRPr>
           </a:p>
           <a:p>
-            <a:pPr indent="-298450" lvl="0" marL="457200" rtl="0" algn="l">
+            <a:pPr indent="-311150" lvl="1" marL="914400" rtl="0" algn="just">
               <a:lnSpc>
-                <a:spcPct val="95000"/>
+                <a:spcPct val="100000"/>
               </a:lnSpc>
               <a:spcBef>
-                <a:spcPts val="1200"/>
-              </a:spcBef>
-              <a:spcAft>
-                <a:spcPts val="0"/>
-              </a:spcAft>
-              <a:buSzPts val="1100"/>
-              <a:buChar char="●"/>
+                <a:spcPts val="0"/>
+              </a:spcBef>
+              <a:spcAft>
+                <a:spcPts val="0"/>
+              </a:spcAft>
+              <a:buClr>
+                <a:srgbClr val="000000"/>
+              </a:buClr>
+              <a:buSzPts val="1300"/>
+              <a:buFont typeface="Calibri"/>
+              <a:buChar char="○"/>
             </a:pPr>
             <a:r>
-              <a:rPr lang="es" sz="1100"/>
-              <a:t>Facilitar el acceso a distinta información con respecto a noticias y actividades sociales de los vecinos.</a:t>
-            </a:r>
-            <a:endParaRPr sz="1100"/>
+              <a:rPr lang="es" sz="1300">
+                <a:solidFill>
+                  <a:srgbClr val="000000"/>
+                </a:solidFill>
+                <a:latin typeface="Calibri"/>
+                <a:ea typeface="Calibri"/>
+                <a:cs typeface="Calibri"/>
+                <a:sym typeface="Calibri"/>
+              </a:rPr>
+              <a:t>Postulación de proyectos vecinales, pueden postular solo los miembros de la junta de vecinos. </a:t>
+            </a:r>
+            <a:endParaRPr sz="1300">
+              <a:solidFill>
+                <a:srgbClr val="000000"/>
+              </a:solidFill>
+              <a:latin typeface="Calibri"/>
+              <a:ea typeface="Calibri"/>
+              <a:cs typeface="Calibri"/>
+              <a:sym typeface="Calibri"/>
+            </a:endParaRPr>
           </a:p>
           <a:p>
-            <a:pPr indent="-298450" lvl="0" marL="457200" rtl="0" algn="l">
+            <a:pPr indent="-311150" lvl="1" marL="914400" rtl="0" algn="just">
               <a:lnSpc>
-                <a:spcPct val="95000"/>
+                <a:spcPct val="100000"/>
               </a:lnSpc>
               <a:spcBef>
                 <a:spcPts val="0"/>
@@ -8260,59 +9260,119 @@
               <a:spcAft>
                 <a:spcPts val="0"/>
               </a:spcAft>
-              <a:buSzPts val="1100"/>
-              <a:buChar char="●"/>
+              <a:buClr>
+                <a:srgbClr val="000000"/>
+              </a:buClr>
+              <a:buSzPts val="1300"/>
+              <a:buFont typeface="Calibri"/>
+              <a:buChar char="○"/>
             </a:pPr>
             <a:r>
-              <a:rPr lang="es" sz="1100"/>
-              <a:t>Facilitar procesos como la inscripción de vecinos a la junta de vecinos, procesos de gestión de bienes de la comunidad.</a:t>
-            </a:r>
-            <a:endParaRPr sz="1100"/>
+              <a:rPr lang="es" sz="1300">
+                <a:solidFill>
+                  <a:srgbClr val="000000"/>
+                </a:solidFill>
+                <a:latin typeface="Calibri"/>
+                <a:ea typeface="Calibri"/>
+                <a:cs typeface="Calibri"/>
+                <a:sym typeface="Calibri"/>
+              </a:rPr>
+              <a:t>Solicitudes de los habitantes de la unidad territorial, canchas, salas, plazas, etc. esto se gestionará con un calendario.</a:t>
+            </a:r>
+            <a:endParaRPr sz="1300">
+              <a:solidFill>
+                <a:srgbClr val="000000"/>
+              </a:solidFill>
+              <a:latin typeface="Calibri"/>
+              <a:ea typeface="Calibri"/>
+              <a:cs typeface="Calibri"/>
+              <a:sym typeface="Calibri"/>
+            </a:endParaRPr>
           </a:p>
           <a:p>
-            <a:pPr indent="0" lvl="0" marL="0" rtl="0" algn="l">
+            <a:pPr indent="-311150" lvl="1" marL="914400" rtl="0" algn="just">
               <a:lnSpc>
-                <a:spcPct val="95000"/>
+                <a:spcPct val="100000"/>
               </a:lnSpc>
               <a:spcBef>
-                <a:spcPts val="1200"/>
-              </a:spcBef>
-              <a:spcAft>
-                <a:spcPts val="0"/>
-              </a:spcAft>
-              <a:buSzPts val="275"/>
-              <a:buNone/>
+                <a:spcPts val="0"/>
+              </a:spcBef>
+              <a:spcAft>
+                <a:spcPts val="0"/>
+              </a:spcAft>
+              <a:buClr>
+                <a:srgbClr val="000000"/>
+              </a:buClr>
+              <a:buSzPts val="1300"/>
+              <a:buFont typeface="Calibri"/>
+              <a:buChar char="○"/>
             </a:pPr>
             <a:r>
-              <a:rPr lang="es" sz="1100"/>
-              <a:t>Uso Interno:</a:t>
-            </a:r>
-            <a:endParaRPr sz="1100"/>
+              <a:rPr lang="es" sz="1300">
+                <a:solidFill>
+                  <a:srgbClr val="000000"/>
+                </a:solidFill>
+                <a:latin typeface="Calibri"/>
+                <a:ea typeface="Calibri"/>
+                <a:cs typeface="Calibri"/>
+                <a:sym typeface="Calibri"/>
+              </a:rPr>
+              <a:t>Inscripción de habitantes para actividades vecinales u otros, dependerá del cupo.</a:t>
+            </a:r>
+            <a:endParaRPr sz="1300">
+              <a:solidFill>
+                <a:srgbClr val="000000"/>
+              </a:solidFill>
+              <a:latin typeface="Calibri"/>
+              <a:ea typeface="Calibri"/>
+              <a:cs typeface="Calibri"/>
+              <a:sym typeface="Calibri"/>
+            </a:endParaRPr>
           </a:p>
           <a:p>
-            <a:pPr indent="-298450" lvl="0" marL="457200" rtl="0" algn="l">
+            <a:pPr indent="-311150" lvl="1" marL="914400" rtl="0" algn="just">
               <a:lnSpc>
-                <a:spcPct val="95000"/>
+                <a:spcPct val="100000"/>
               </a:lnSpc>
               <a:spcBef>
-                <a:spcPts val="1200"/>
-              </a:spcBef>
-              <a:spcAft>
-                <a:spcPts val="0"/>
-              </a:spcAft>
-              <a:buSzPts val="1100"/>
-              <a:buChar char="●"/>
+                <a:spcPts val="0"/>
+              </a:spcBef>
+              <a:spcAft>
+                <a:spcPts val="0"/>
+              </a:spcAft>
+              <a:buClr>
+                <a:srgbClr val="000000"/>
+              </a:buClr>
+              <a:buSzPts val="1300"/>
+              <a:buFont typeface="Calibri"/>
+              <a:buChar char="○"/>
             </a:pPr>
             <a:r>
-              <a:rPr lang="es" sz="1100"/>
-              <a:t>Mejorar la gestión de solicitudes y emisión de documentos</a:t>
-            </a:r>
-            <a:endParaRPr sz="1100"/>
+              <a:rPr lang="es" sz="1300">
+                <a:solidFill>
+                  <a:srgbClr val="000000"/>
+                </a:solidFill>
+                <a:latin typeface="Calibri"/>
+                <a:ea typeface="Calibri"/>
+                <a:cs typeface="Calibri"/>
+                <a:sym typeface="Calibri"/>
+              </a:rPr>
+              <a:t>Recepción de notificaciones y avisos a los habitantes de la unidad territorial vía aviso tipo afiche, email y/o WhatsApp.</a:t>
+            </a:r>
+            <a:endParaRPr sz="1300">
+              <a:solidFill>
+                <a:srgbClr val="000000"/>
+              </a:solidFill>
+              <a:latin typeface="Calibri"/>
+              <a:ea typeface="Calibri"/>
+              <a:cs typeface="Calibri"/>
+              <a:sym typeface="Calibri"/>
+            </a:endParaRPr>
           </a:p>
           <a:p>
-            <a:pPr indent="-298450" lvl="0" marL="457200" rtl="0" algn="l">
+            <a:pPr indent="-311150" lvl="1" marL="914400" rtl="0" algn="just">
               <a:lnSpc>
-                <a:spcPct val="95000"/>
+                <a:spcPct val="100000"/>
               </a:lnSpc>
               <a:spcBef>
                 <a:spcPts val="0"/>
@@ -8320,71 +9380,34 @@
               <a:spcAft>
                 <a:spcPts val="0"/>
               </a:spcAft>
-              <a:buSzPts val="1100"/>
-              <a:buChar char="●"/>
+              <a:buClr>
+                <a:srgbClr val="000000"/>
+              </a:buClr>
+              <a:buSzPts val="1300"/>
+              <a:buFont typeface="Calibri"/>
+              <a:buChar char="○"/>
             </a:pPr>
             <a:r>
-              <a:rPr lang="es" sz="1100"/>
-              <a:t>Simplificar la gestión de la información de actividades y noticias, con envíos de notificaciones y avisos a los habitantes.</a:t>
-            </a:r>
-            <a:endParaRPr sz="1100"/>
-          </a:p>
-          <a:p>
-            <a:pPr indent="0" lvl="0" marL="0" rtl="0" algn="l">
-              <a:lnSpc>
-                <a:spcPct val="95000"/>
-              </a:lnSpc>
-              <a:spcBef>
-                <a:spcPts val="1200"/>
-              </a:spcBef>
-              <a:spcAft>
-                <a:spcPts val="0"/>
-              </a:spcAft>
-              <a:buSzPts val="275"/>
-              <a:buNone/>
-            </a:pPr>
-            <a:r>
-              <a:t/>
-            </a:r>
-            <a:endParaRPr sz="1000"/>
-          </a:p>
-          <a:p>
-            <a:pPr indent="0" lvl="0" marL="0" rtl="0" algn="l">
-              <a:lnSpc>
-                <a:spcPct val="95000"/>
-              </a:lnSpc>
-              <a:spcBef>
-                <a:spcPts val="1200"/>
-              </a:spcBef>
-              <a:spcAft>
-                <a:spcPts val="0"/>
-              </a:spcAft>
-              <a:buSzPts val="275"/>
-              <a:buNone/>
-            </a:pPr>
-            <a:r>
-              <a:t/>
-            </a:r>
-            <a:endParaRPr sz="1000"/>
-          </a:p>
-          <a:p>
-            <a:pPr indent="0" lvl="0" marL="0" rtl="0" algn="l">
-              <a:lnSpc>
-                <a:spcPct val="95000"/>
-              </a:lnSpc>
-              <a:spcBef>
-                <a:spcPts val="1200"/>
-              </a:spcBef>
-              <a:spcAft>
-                <a:spcPts val="1200"/>
-              </a:spcAft>
-              <a:buSzPts val="275"/>
-              <a:buNone/>
-            </a:pPr>
-            <a:r>
-              <a:t/>
-            </a:r>
-            <a:endParaRPr sz="325"/>
+              <a:rPr lang="es" sz="1300">
+                <a:solidFill>
+                  <a:srgbClr val="000000"/>
+                </a:solidFill>
+                <a:latin typeface="Calibri"/>
+                <a:ea typeface="Calibri"/>
+                <a:cs typeface="Calibri"/>
+                <a:sym typeface="Calibri"/>
+              </a:rPr>
+              <a:t>Visualización de noticias</a:t>
+            </a:r>
+            <a:endParaRPr sz="1600">
+              <a:solidFill>
+                <a:schemeClr val="dk2"/>
+              </a:solidFill>
+              <a:latin typeface="Calibri"/>
+              <a:ea typeface="Calibri"/>
+              <a:cs typeface="Calibri"/>
+              <a:sym typeface="Calibri"/>
+            </a:endParaRPr>
           </a:p>
         </p:txBody>
       </p:sp>
@@ -8447,7 +9470,7 @@
             </a:pPr>
             <a:r>
               <a:rPr lang="es"/>
-              <a:t>Metodología</a:t>
+              <a:t>Objetivos</a:t>
             </a:r>
             <a:endParaRPr/>
           </a:p>
@@ -8472,24 +9495,292 @@
         </p:spPr>
         <p:txBody>
           <a:bodyPr anchorCtr="0" anchor="t" bIns="91425" lIns="91425" spcFirstLastPara="1" rIns="91425" wrap="square" tIns="91425">
-            <a:normAutofit/>
+            <a:noAutofit/>
           </a:bodyPr>
           <a:lstStyle/>
           <a:p>
             <a:pPr indent="0" lvl="0" marL="0" rtl="0" algn="l">
-              <a:spcBef>
-                <a:spcPts val="0"/>
-              </a:spcBef>
-              <a:spcAft>
+              <a:lnSpc>
+                <a:spcPct val="95000"/>
+              </a:lnSpc>
+              <a:spcBef>
+                <a:spcPts val="0"/>
+              </a:spcBef>
+              <a:spcAft>
+                <a:spcPts val="0"/>
+              </a:spcAft>
+              <a:buSzPts val="275"/>
+              <a:buNone/>
+            </a:pPr>
+            <a:r>
+              <a:rPr lang="es">
+                <a:solidFill>
+                  <a:schemeClr val="dk2"/>
+                </a:solidFill>
+              </a:rPr>
+              <a:t>Su objetivo es facilitar la administración interna, fomentar la participación vecinal y centralizar información, logrando una mayor eficiencia y cohesión en la comunidad</a:t>
+            </a:r>
+            <a:r>
+              <a:rPr lang="es">
+                <a:solidFill>
+                  <a:schemeClr val="dk2"/>
+                </a:solidFill>
+              </a:rPr>
+              <a:t> como los aspectos legales.</a:t>
+            </a:r>
+            <a:endParaRPr>
+              <a:solidFill>
+                <a:schemeClr val="dk2"/>
+              </a:solidFill>
+            </a:endParaRPr>
+          </a:p>
+          <a:p>
+            <a:pPr indent="0" lvl="0" marL="0" rtl="0" algn="l">
+              <a:lnSpc>
+                <a:spcPct val="95000"/>
+              </a:lnSpc>
+              <a:spcBef>
                 <a:spcPts val="1200"/>
-              </a:spcAft>
+              </a:spcBef>
+              <a:spcAft>
+                <a:spcPts val="0"/>
+              </a:spcAft>
+              <a:buSzPts val="275"/>
               <a:buNone/>
             </a:pPr>
             <a:r>
-              <a:rPr lang="es"/>
-              <a:t>Para el desarrollo de este proyecto utilizaremos la metodología SCRUM, el desarrollo será en diferentes sprints para poder abordar las distintas partes del sistema. Las funciones y tareas de los integrantes del grupo de proyecto serán delegadas en base a los conocimientos de cada uno de los integrantes.</a:t>
-            </a:r>
-            <a:endParaRPr/>
+              <a:rPr lang="es">
+                <a:solidFill>
+                  <a:schemeClr val="dk2"/>
+                </a:solidFill>
+              </a:rPr>
+              <a:t>Algunos de los objetivos </a:t>
+            </a:r>
+            <a:r>
+              <a:rPr lang="es">
+                <a:solidFill>
+                  <a:schemeClr val="dk2"/>
+                </a:solidFill>
+              </a:rPr>
+              <a:t>específicos</a:t>
+            </a:r>
+            <a:r>
+              <a:rPr lang="es">
+                <a:solidFill>
+                  <a:schemeClr val="dk2"/>
+                </a:solidFill>
+              </a:rPr>
+              <a:t> de este proyecto son:</a:t>
+            </a:r>
+            <a:endParaRPr>
+              <a:solidFill>
+                <a:schemeClr val="dk2"/>
+              </a:solidFill>
+            </a:endParaRPr>
+          </a:p>
+          <a:p>
+            <a:pPr indent="0" lvl="0" marL="0" rtl="0" algn="l">
+              <a:lnSpc>
+                <a:spcPct val="95000"/>
+              </a:lnSpc>
+              <a:spcBef>
+                <a:spcPts val="1200"/>
+              </a:spcBef>
+              <a:spcAft>
+                <a:spcPts val="0"/>
+              </a:spcAft>
+              <a:buSzPts val="275"/>
+              <a:buNone/>
+            </a:pPr>
+            <a:r>
+              <a:t/>
+            </a:r>
+            <a:endParaRPr>
+              <a:solidFill>
+                <a:schemeClr val="dk2"/>
+              </a:solidFill>
+            </a:endParaRPr>
+          </a:p>
+          <a:p>
+            <a:pPr indent="-311150" lvl="0" marL="457200" rtl="0" algn="l">
+              <a:lnSpc>
+                <a:spcPct val="95000"/>
+              </a:lnSpc>
+              <a:spcBef>
+                <a:spcPts val="1200"/>
+              </a:spcBef>
+              <a:spcAft>
+                <a:spcPts val="0"/>
+              </a:spcAft>
+              <a:buClr>
+                <a:schemeClr val="dk2"/>
+              </a:buClr>
+              <a:buSzPts val="1300"/>
+              <a:buChar char="●"/>
+            </a:pPr>
+            <a:r>
+              <a:rPr lang="es">
+                <a:solidFill>
+                  <a:schemeClr val="dk2"/>
+                </a:solidFill>
+              </a:rPr>
+              <a:t>Facilitar el acceso a distinta información con respecto a noticias y actividades sociales de los vecinos.</a:t>
+            </a:r>
+            <a:endParaRPr>
+              <a:solidFill>
+                <a:schemeClr val="dk2"/>
+              </a:solidFill>
+            </a:endParaRPr>
+          </a:p>
+          <a:p>
+            <a:pPr indent="-311150" lvl="0" marL="457200" rtl="0" algn="l">
+              <a:lnSpc>
+                <a:spcPct val="95000"/>
+              </a:lnSpc>
+              <a:spcBef>
+                <a:spcPts val="0"/>
+              </a:spcBef>
+              <a:spcAft>
+                <a:spcPts val="0"/>
+              </a:spcAft>
+              <a:buClr>
+                <a:schemeClr val="dk2"/>
+              </a:buClr>
+              <a:buSzPts val="1300"/>
+              <a:buChar char="●"/>
+            </a:pPr>
+            <a:r>
+              <a:rPr lang="es">
+                <a:solidFill>
+                  <a:schemeClr val="dk2"/>
+                </a:solidFill>
+              </a:rPr>
+              <a:t>Facilitar procesos como la inscripción de vecinos a la junta de vecinos, procesos de gestión de bienes de la comunidad.</a:t>
+            </a:r>
+            <a:endParaRPr>
+              <a:solidFill>
+                <a:schemeClr val="dk2"/>
+              </a:solidFill>
+            </a:endParaRPr>
+          </a:p>
+          <a:p>
+            <a:pPr indent="-311150" lvl="0" marL="457200" rtl="0" algn="l">
+              <a:lnSpc>
+                <a:spcPct val="95000"/>
+              </a:lnSpc>
+              <a:spcBef>
+                <a:spcPts val="0"/>
+              </a:spcBef>
+              <a:spcAft>
+                <a:spcPts val="0"/>
+              </a:spcAft>
+              <a:buClr>
+                <a:schemeClr val="dk2"/>
+              </a:buClr>
+              <a:buSzPts val="1300"/>
+              <a:buChar char="●"/>
+            </a:pPr>
+            <a:r>
+              <a:rPr lang="es">
+                <a:solidFill>
+                  <a:schemeClr val="dk2"/>
+                </a:solidFill>
+              </a:rPr>
+              <a:t>Mejorar la gestión de solicitudes y emisión de documentos</a:t>
+            </a:r>
+            <a:endParaRPr>
+              <a:solidFill>
+                <a:schemeClr val="dk2"/>
+              </a:solidFill>
+            </a:endParaRPr>
+          </a:p>
+          <a:p>
+            <a:pPr indent="-311150" lvl="0" marL="457200" rtl="0" algn="l">
+              <a:lnSpc>
+                <a:spcPct val="95000"/>
+              </a:lnSpc>
+              <a:spcBef>
+                <a:spcPts val="0"/>
+              </a:spcBef>
+              <a:spcAft>
+                <a:spcPts val="0"/>
+              </a:spcAft>
+              <a:buClr>
+                <a:schemeClr val="dk2"/>
+              </a:buClr>
+              <a:buSzPts val="1300"/>
+              <a:buChar char="●"/>
+            </a:pPr>
+            <a:r>
+              <a:rPr lang="es">
+                <a:solidFill>
+                  <a:schemeClr val="dk2"/>
+                </a:solidFill>
+              </a:rPr>
+              <a:t>Simplificar la gestión de la información de actividades y noticias, con envíos de notificaciones y avisos a los habitantes.</a:t>
+            </a:r>
+            <a:endParaRPr>
+              <a:solidFill>
+                <a:schemeClr val="dk2"/>
+              </a:solidFill>
+            </a:endParaRPr>
+          </a:p>
+          <a:p>
+            <a:pPr indent="0" lvl="0" marL="0" rtl="0" algn="l">
+              <a:lnSpc>
+                <a:spcPct val="95000"/>
+              </a:lnSpc>
+              <a:spcBef>
+                <a:spcPts val="1200"/>
+              </a:spcBef>
+              <a:spcAft>
+                <a:spcPts val="0"/>
+              </a:spcAft>
+              <a:buSzPts val="275"/>
+              <a:buNone/>
+            </a:pPr>
+            <a:r>
+              <a:t/>
+            </a:r>
+            <a:endParaRPr sz="1000"/>
+          </a:p>
+          <a:p>
+            <a:pPr indent="0" lvl="0" marL="0" rtl="0" algn="l">
+              <a:lnSpc>
+                <a:spcPct val="95000"/>
+              </a:lnSpc>
+              <a:spcBef>
+                <a:spcPts val="1200"/>
+              </a:spcBef>
+              <a:spcAft>
+                <a:spcPts val="0"/>
+              </a:spcAft>
+              <a:buSzPts val="275"/>
+              <a:buNone/>
+            </a:pPr>
+            <a:r>
+              <a:t/>
+            </a:r>
+            <a:endParaRPr sz="1000"/>
+          </a:p>
+          <a:p>
+            <a:pPr indent="0" lvl="0" marL="0" rtl="0" algn="l">
+              <a:lnSpc>
+                <a:spcPct val="95000"/>
+              </a:lnSpc>
+              <a:spcBef>
+                <a:spcPts val="1200"/>
+              </a:spcBef>
+              <a:spcAft>
+                <a:spcPts val="1200"/>
+              </a:spcAft>
+              <a:buSzPts val="275"/>
+              <a:buNone/>
+            </a:pPr>
+            <a:r>
+              <a:t/>
+            </a:r>
+            <a:endParaRPr sz="325"/>
           </a:p>
         </p:txBody>
       </p:sp>
@@ -8552,7 +9843,7 @@
             </a:pPr>
             <a:r>
               <a:rPr lang="es"/>
-              <a:t>Evidencia</a:t>
+              <a:t>Metodología</a:t>
             </a:r>
             <a:endParaRPr/>
           </a:p>
@@ -8568,7 +9859,7 @@
         </p:nvSpPr>
         <p:spPr>
           <a:xfrm>
-            <a:off x="729450" y="2078875"/>
+            <a:off x="727650" y="2108425"/>
             <a:ext cx="7688700" cy="2261100"/>
           </a:xfrm>
           <a:prstGeom prst="rect">
@@ -8577,11 +9868,14 @@
         </p:spPr>
         <p:txBody>
           <a:bodyPr anchorCtr="0" anchor="t" bIns="91425" lIns="91425" spcFirstLastPara="1" rIns="91425" wrap="square" tIns="91425">
-            <a:normAutofit/>
+            <a:noAutofit/>
           </a:bodyPr>
           <a:lstStyle/>
           <a:p>
-            <a:pPr indent="0" lvl="0" marL="0" rtl="0" algn="l">
+            <a:pPr indent="0" lvl="0" marL="0" rtl="0" algn="just">
+              <a:lnSpc>
+                <a:spcPct val="107916"/>
+              </a:lnSpc>
               <a:spcBef>
                 <a:spcPts val="0"/>
               </a:spcBef>
@@ -8591,26 +9885,278 @@
               <a:buNone/>
             </a:pPr>
             <a:r>
-              <a:rPr lang="es"/>
-              <a:t>Documentación de planificación de proyecto tales como el acta de constitución de proyecto, infraestructura del sistema (vistas y diagramas) .</a:t>
-            </a:r>
-            <a:endParaRPr/>
+              <a:rPr lang="es">
+                <a:solidFill>
+                  <a:schemeClr val="dk2"/>
+                </a:solidFill>
+                <a:highlight>
+                  <a:srgbClr val="FFFFFF"/>
+                </a:highlight>
+              </a:rPr>
+              <a:t>Para el desarrollo de este proyecto utilizaremos la metodología ágil/scrum, el desarrollo será en diferentes sprints para poder abordar las distintas partes del sistema. Las funciones y tareas de los integrantes del grupo de proyecto serán delegadas en base a los conocimientos de cada uno.</a:t>
+            </a:r>
+            <a:endParaRPr>
+              <a:solidFill>
+                <a:schemeClr val="dk2"/>
+              </a:solidFill>
+              <a:highlight>
+                <a:srgbClr val="FFFFFF"/>
+              </a:highlight>
+            </a:endParaRPr>
           </a:p>
           <a:p>
             <a:pPr indent="0" lvl="0" marL="0" rtl="0" algn="l">
               <a:spcBef>
+                <a:spcPts val="800"/>
+              </a:spcBef>
+              <a:spcAft>
+                <a:spcPts val="0"/>
+              </a:spcAft>
+              <a:buNone/>
+            </a:pPr>
+            <a:r>
+              <a:rPr lang="es" sz="1200">
+                <a:solidFill>
+                  <a:schemeClr val="dk2"/>
+                </a:solidFill>
+                <a:latin typeface="Arial"/>
+                <a:ea typeface="Arial"/>
+                <a:cs typeface="Arial"/>
+                <a:sym typeface="Arial"/>
+              </a:rPr>
+              <a:t>Roles del equipo scrum:</a:t>
+            </a:r>
+            <a:endParaRPr sz="1200">
+              <a:solidFill>
+                <a:schemeClr val="dk2"/>
+              </a:solidFill>
+              <a:latin typeface="Arial"/>
+              <a:ea typeface="Arial"/>
+              <a:cs typeface="Arial"/>
+              <a:sym typeface="Arial"/>
+            </a:endParaRPr>
+          </a:p>
+          <a:p>
+            <a:pPr indent="-304800" lvl="0" marL="457200" rtl="0" algn="l">
+              <a:spcBef>
                 <a:spcPts val="1200"/>
               </a:spcBef>
               <a:spcAft>
                 <a:spcPts val="0"/>
               </a:spcAft>
-              <a:buNone/>
+              <a:buClr>
+                <a:schemeClr val="dk2"/>
+              </a:buClr>
+              <a:buSzPts val="1200"/>
+              <a:buFont typeface="Arial"/>
+              <a:buChar char="●"/>
             </a:pPr>
             <a:r>
-              <a:rPr lang="es"/>
-              <a:t>Documentación de seguimiento del desarrollo: roadmap, casos de pruebas, backlog.</a:t>
-            </a:r>
-            <a:endParaRPr/>
+              <a:rPr lang="es" sz="1200">
+                <a:solidFill>
+                  <a:schemeClr val="dk2"/>
+                </a:solidFill>
+                <a:latin typeface="Arial"/>
+                <a:ea typeface="Arial"/>
+                <a:cs typeface="Arial"/>
+                <a:sym typeface="Arial"/>
+              </a:rPr>
+              <a:t>Product owner: Kevin Olguín</a:t>
+            </a:r>
+            <a:endParaRPr sz="1200">
+              <a:solidFill>
+                <a:schemeClr val="dk2"/>
+              </a:solidFill>
+              <a:latin typeface="Arial"/>
+              <a:ea typeface="Arial"/>
+              <a:cs typeface="Arial"/>
+              <a:sym typeface="Arial"/>
+            </a:endParaRPr>
+          </a:p>
+          <a:p>
+            <a:pPr indent="-304800" lvl="0" marL="457200" rtl="0" algn="l">
+              <a:spcBef>
+                <a:spcPts val="0"/>
+              </a:spcBef>
+              <a:spcAft>
+                <a:spcPts val="0"/>
+              </a:spcAft>
+              <a:buClr>
+                <a:schemeClr val="dk2"/>
+              </a:buClr>
+              <a:buSzPts val="1200"/>
+              <a:buFont typeface="Arial"/>
+              <a:buChar char="●"/>
+            </a:pPr>
+            <a:r>
+              <a:rPr lang="es" sz="1200">
+                <a:solidFill>
+                  <a:schemeClr val="dk2"/>
+                </a:solidFill>
+                <a:latin typeface="Arial"/>
+                <a:ea typeface="Arial"/>
+                <a:cs typeface="Arial"/>
+                <a:sym typeface="Arial"/>
+              </a:rPr>
+              <a:t>Scrum master: Fabián Cortés</a:t>
+            </a:r>
+            <a:endParaRPr sz="1200">
+              <a:solidFill>
+                <a:schemeClr val="dk2"/>
+              </a:solidFill>
+              <a:latin typeface="Arial"/>
+              <a:ea typeface="Arial"/>
+              <a:cs typeface="Arial"/>
+              <a:sym typeface="Arial"/>
+            </a:endParaRPr>
+          </a:p>
+          <a:p>
+            <a:pPr indent="-304800" lvl="0" marL="457200" rtl="0" algn="l">
+              <a:spcBef>
+                <a:spcPts val="0"/>
+              </a:spcBef>
+              <a:spcAft>
+                <a:spcPts val="0"/>
+              </a:spcAft>
+              <a:buClr>
+                <a:schemeClr val="dk2"/>
+              </a:buClr>
+              <a:buSzPts val="1200"/>
+              <a:buFont typeface="Arial"/>
+              <a:buChar char="●"/>
+            </a:pPr>
+            <a:r>
+              <a:rPr lang="es" sz="1200">
+                <a:solidFill>
+                  <a:schemeClr val="dk2"/>
+                </a:solidFill>
+                <a:latin typeface="Arial"/>
+                <a:ea typeface="Arial"/>
+                <a:cs typeface="Arial"/>
+                <a:sym typeface="Arial"/>
+              </a:rPr>
+              <a:t>Equipo de desarrollo: </a:t>
+            </a:r>
+            <a:endParaRPr sz="1200">
+              <a:solidFill>
+                <a:schemeClr val="dk2"/>
+              </a:solidFill>
+              <a:latin typeface="Arial"/>
+              <a:ea typeface="Arial"/>
+              <a:cs typeface="Arial"/>
+              <a:sym typeface="Arial"/>
+            </a:endParaRPr>
+          </a:p>
+          <a:p>
+            <a:pPr indent="-304800" lvl="4" marL="2286000" rtl="0" algn="l">
+              <a:spcBef>
+                <a:spcPts val="0"/>
+              </a:spcBef>
+              <a:spcAft>
+                <a:spcPts val="0"/>
+              </a:spcAft>
+              <a:buClr>
+                <a:schemeClr val="dk2"/>
+              </a:buClr>
+              <a:buSzPts val="1200"/>
+              <a:buFont typeface="Arial"/>
+              <a:buChar char="○"/>
+            </a:pPr>
+            <a:r>
+              <a:rPr lang="es" sz="1200">
+                <a:solidFill>
+                  <a:schemeClr val="dk2"/>
+                </a:solidFill>
+                <a:latin typeface="Arial"/>
+                <a:ea typeface="Arial"/>
+                <a:cs typeface="Arial"/>
+                <a:sym typeface="Arial"/>
+              </a:rPr>
+              <a:t>Fabián Cortés </a:t>
+            </a:r>
+            <a:endParaRPr sz="1200">
+              <a:solidFill>
+                <a:schemeClr val="dk2"/>
+              </a:solidFill>
+              <a:latin typeface="Arial"/>
+              <a:ea typeface="Arial"/>
+              <a:cs typeface="Arial"/>
+              <a:sym typeface="Arial"/>
+            </a:endParaRPr>
+          </a:p>
+          <a:p>
+            <a:pPr indent="-304800" lvl="4" marL="2286000" rtl="0" algn="l">
+              <a:spcBef>
+                <a:spcPts val="0"/>
+              </a:spcBef>
+              <a:spcAft>
+                <a:spcPts val="0"/>
+              </a:spcAft>
+              <a:buClr>
+                <a:schemeClr val="dk2"/>
+              </a:buClr>
+              <a:buSzPts val="1200"/>
+              <a:buFont typeface="Arial"/>
+              <a:buChar char="○"/>
+            </a:pPr>
+            <a:r>
+              <a:rPr lang="es" sz="1200">
+                <a:solidFill>
+                  <a:schemeClr val="dk2"/>
+                </a:solidFill>
+                <a:latin typeface="Arial"/>
+                <a:ea typeface="Arial"/>
+                <a:cs typeface="Arial"/>
+                <a:sym typeface="Arial"/>
+              </a:rPr>
+              <a:t>Kevin Olguín</a:t>
+            </a:r>
+            <a:endParaRPr sz="1200">
+              <a:solidFill>
+                <a:schemeClr val="dk2"/>
+              </a:solidFill>
+              <a:latin typeface="Arial"/>
+              <a:ea typeface="Arial"/>
+              <a:cs typeface="Arial"/>
+              <a:sym typeface="Arial"/>
+            </a:endParaRPr>
+          </a:p>
+          <a:p>
+            <a:pPr indent="-304800" lvl="4" marL="2286000" rtl="0" algn="l">
+              <a:spcBef>
+                <a:spcPts val="0"/>
+              </a:spcBef>
+              <a:spcAft>
+                <a:spcPts val="0"/>
+              </a:spcAft>
+              <a:buClr>
+                <a:schemeClr val="dk2"/>
+              </a:buClr>
+              <a:buSzPts val="1200"/>
+              <a:buFont typeface="Arial"/>
+              <a:buChar char="○"/>
+            </a:pPr>
+            <a:r>
+              <a:rPr lang="es" sz="1200">
+                <a:solidFill>
+                  <a:schemeClr val="dk2"/>
+                </a:solidFill>
+                <a:latin typeface="Arial"/>
+                <a:ea typeface="Arial"/>
+                <a:cs typeface="Arial"/>
+                <a:sym typeface="Arial"/>
+              </a:rPr>
+              <a:t>Cristian Salvo	</a:t>
+            </a:r>
+            <a:endParaRPr sz="1200">
+              <a:solidFill>
+                <a:schemeClr val="dk2"/>
+              </a:solidFill>
+              <a:latin typeface="Arial"/>
+              <a:ea typeface="Arial"/>
+              <a:cs typeface="Arial"/>
+              <a:sym typeface="Arial"/>
+            </a:endParaRPr>
           </a:p>
           <a:p>
             <a:pPr indent="0" lvl="0" marL="0" rtl="0" algn="l">
@@ -8618,15 +10164,58 @@
                 <a:spcPts val="1200"/>
               </a:spcBef>
               <a:spcAft>
+                <a:spcPts val="0"/>
+              </a:spcAft>
+              <a:buNone/>
+            </a:pPr>
+            <a:r>
+              <a:t/>
+            </a:r>
+            <a:endParaRPr sz="500">
+              <a:highlight>
+                <a:srgbClr val="FFFFFF"/>
+              </a:highlight>
+            </a:endParaRPr>
+          </a:p>
+          <a:p>
+            <a:pPr indent="0" lvl="0" marL="0" rtl="0" algn="just">
+              <a:lnSpc>
+                <a:spcPct val="107916"/>
+              </a:lnSpc>
+              <a:spcBef>
                 <a:spcPts val="1200"/>
+              </a:spcBef>
+              <a:spcAft>
+                <a:spcPts val="0"/>
               </a:spcAft>
               <a:buNone/>
             </a:pPr>
             <a:r>
-              <a:rPr lang="es"/>
-              <a:t>Código fuente del sistema.</a:t>
-            </a:r>
-            <a:endParaRPr/>
+              <a:t/>
+            </a:r>
+            <a:endParaRPr>
+              <a:highlight>
+                <a:srgbClr val="FFFFFF"/>
+              </a:highlight>
+            </a:endParaRPr>
+          </a:p>
+          <a:p>
+            <a:pPr indent="0" lvl="0" marL="0" rtl="0" algn="just">
+              <a:lnSpc>
+                <a:spcPct val="107916"/>
+              </a:lnSpc>
+              <a:spcBef>
+                <a:spcPts val="800"/>
+              </a:spcBef>
+              <a:spcAft>
+                <a:spcPts val="800"/>
+              </a:spcAft>
+              <a:buNone/>
+            </a:pPr>
+            <a:r>
+              <a:t/>
+            </a:r>
+            <a:endParaRPr sz="1600"/>
           </a:p>
         </p:txBody>
       </p:sp>
@@ -8688,7 +10277,8 @@
               <a:buNone/>
             </a:pPr>
             <a:r>
-              <a:t/>
+              <a:rPr lang="es"/>
+              <a:t>Evidencia</a:t>
             </a:r>
             <a:endParaRPr/>
           </a:p>
@@ -8697,6 +10287,416 @@
       <p:sp>
         <p:nvSpPr>
           <p:cNvPr id="123" name="Google Shape;123;p19"/>
+          <p:cNvSpPr txBox="1"/>
+          <p:nvPr>
+            <p:ph idx="1" type="body"/>
+          </p:nvPr>
+        </p:nvSpPr>
+        <p:spPr>
+          <a:xfrm>
+            <a:off x="727650" y="2101950"/>
+            <a:ext cx="7688700" cy="2261100"/>
+          </a:xfrm>
+          <a:prstGeom prst="rect">
+            <a:avLst/>
+          </a:prstGeom>
+        </p:spPr>
+        <p:txBody>
+          <a:bodyPr anchorCtr="0" anchor="t" bIns="91425" lIns="91425" spcFirstLastPara="1" rIns="91425" wrap="square" tIns="91425">
+            <a:noAutofit/>
+          </a:bodyPr>
+          <a:lstStyle/>
+          <a:p>
+            <a:pPr indent="0" lvl="0" marL="0" rtl="0" algn="l">
+              <a:spcBef>
+                <a:spcPts val="0"/>
+              </a:spcBef>
+              <a:spcAft>
+                <a:spcPts val="0"/>
+              </a:spcAft>
+              <a:buNone/>
+            </a:pPr>
+            <a:r>
+              <a:rPr lang="es"/>
+              <a:t>Como evidencia utilizaremos los siguientes antecedentes durante el proyecto:</a:t>
+            </a:r>
+            <a:endParaRPr/>
+          </a:p>
+          <a:p>
+            <a:pPr indent="0" lvl="0" marL="0" rtl="0" algn="just">
+              <a:lnSpc>
+                <a:spcPct val="100000"/>
+              </a:lnSpc>
+              <a:spcBef>
+                <a:spcPts val="1200"/>
+              </a:spcBef>
+              <a:spcAft>
+                <a:spcPts val="0"/>
+              </a:spcAft>
+              <a:buNone/>
+            </a:pPr>
+            <a:r>
+              <a:rPr b="1" lang="es" sz="1200"/>
+              <a:t>Acta de constitución de proyecto</a:t>
+            </a:r>
+            <a:r>
+              <a:rPr lang="es" sz="1200"/>
+              <a:t>: </a:t>
+            </a:r>
+            <a:r>
+              <a:rPr lang="es" sz="1100"/>
+              <a:t>Documento para dar inicio al proyecto definiendo sus objetivos y fases de </a:t>
+            </a:r>
+            <a:r>
+              <a:rPr lang="es" sz="1100"/>
+              <a:t>d</a:t>
+            </a:r>
+            <a:r>
+              <a:rPr lang="es" sz="1100"/>
+              <a:t>esarrollo.</a:t>
+            </a:r>
+            <a:endParaRPr sz="1100"/>
+          </a:p>
+          <a:p>
+            <a:pPr indent="0" lvl="0" marL="0" rtl="0" algn="just">
+              <a:lnSpc>
+                <a:spcPct val="100000"/>
+              </a:lnSpc>
+              <a:spcBef>
+                <a:spcPts val="0"/>
+              </a:spcBef>
+              <a:spcAft>
+                <a:spcPts val="0"/>
+              </a:spcAft>
+              <a:buNone/>
+            </a:pPr>
+            <a:r>
+              <a:rPr b="1" lang="es"/>
+              <a:t>Modelo 4+1: </a:t>
+            </a:r>
+            <a:r>
+              <a:rPr lang="es" sz="1200"/>
+              <a:t>Corresponde a las vistas del sistema describiendo los escenarios y arquitectura de la aplicación</a:t>
+            </a:r>
+            <a:endParaRPr sz="1200"/>
+          </a:p>
+          <a:p>
+            <a:pPr indent="0" lvl="0" marL="0" rtl="0" algn="just">
+              <a:lnSpc>
+                <a:spcPct val="100000"/>
+              </a:lnSpc>
+              <a:spcBef>
+                <a:spcPts val="0"/>
+              </a:spcBef>
+              <a:spcAft>
+                <a:spcPts val="0"/>
+              </a:spcAft>
+              <a:buNone/>
+            </a:pPr>
+            <a:r>
+              <a:rPr b="1" lang="es"/>
+              <a:t>Roadmap: </a:t>
+            </a:r>
+            <a:r>
+              <a:rPr lang="es" sz="1100"/>
+              <a:t>En este documento se describen las fases de desarrollo y que se trabajará en cada una.</a:t>
+            </a:r>
+            <a:endParaRPr/>
+          </a:p>
+          <a:p>
+            <a:pPr indent="0" lvl="0" marL="0" rtl="0" algn="just">
+              <a:lnSpc>
+                <a:spcPct val="100000"/>
+              </a:lnSpc>
+              <a:spcBef>
+                <a:spcPts val="0"/>
+              </a:spcBef>
+              <a:spcAft>
+                <a:spcPts val="0"/>
+              </a:spcAft>
+              <a:buNone/>
+            </a:pPr>
+            <a:r>
+              <a:rPr b="1" lang="es"/>
+              <a:t>Código fuente: </a:t>
+            </a:r>
+            <a:r>
+              <a:rPr lang="es" sz="1100"/>
+              <a:t>Corresponde al código fuente del sistema.</a:t>
+            </a:r>
+            <a:endParaRPr/>
+          </a:p>
+          <a:p>
+            <a:pPr indent="0" lvl="0" marL="0" rtl="0" algn="just">
+              <a:lnSpc>
+                <a:spcPct val="100000"/>
+              </a:lnSpc>
+              <a:spcBef>
+                <a:spcPts val="0"/>
+              </a:spcBef>
+              <a:spcAft>
+                <a:spcPts val="0"/>
+              </a:spcAft>
+              <a:buNone/>
+            </a:pPr>
+            <a:r>
+              <a:rPr b="1" lang="es"/>
+              <a:t>Casos de prueba:</a:t>
+            </a:r>
+            <a:r>
+              <a:rPr lang="es"/>
+              <a:t> </a:t>
+            </a:r>
+            <a:r>
+              <a:rPr lang="es" sz="1100"/>
+              <a:t>Documentación de las diferentes pruebas que se van realizando durante el desarrollo del proyecto.</a:t>
+            </a:r>
+            <a:endParaRPr/>
+          </a:p>
+          <a:p>
+            <a:pPr indent="0" lvl="0" marL="0" rtl="0" algn="just">
+              <a:lnSpc>
+                <a:spcPct val="100000"/>
+              </a:lnSpc>
+              <a:spcBef>
+                <a:spcPts val="0"/>
+              </a:spcBef>
+              <a:spcAft>
+                <a:spcPts val="0"/>
+              </a:spcAft>
+              <a:buNone/>
+            </a:pPr>
+            <a:r>
+              <a:rPr b="1" lang="es"/>
+              <a:t>Product backlog:</a:t>
+            </a:r>
+            <a:r>
+              <a:rPr lang="es"/>
+              <a:t> </a:t>
+            </a:r>
+            <a:r>
+              <a:rPr lang="es" sz="1100"/>
+              <a:t>Documento con las historias de usuario.</a:t>
+            </a:r>
+            <a:endParaRPr/>
+          </a:p>
+          <a:p>
+            <a:pPr indent="0" lvl="0" marL="0" rtl="0" algn="just">
+              <a:lnSpc>
+                <a:spcPct val="100000"/>
+              </a:lnSpc>
+              <a:spcBef>
+                <a:spcPts val="0"/>
+              </a:spcBef>
+              <a:spcAft>
+                <a:spcPts val="0"/>
+              </a:spcAft>
+              <a:buNone/>
+            </a:pPr>
+            <a:r>
+              <a:rPr b="1" lang="es"/>
+              <a:t>Sprint planning:</a:t>
+            </a:r>
+            <a:r>
+              <a:rPr lang="es"/>
+              <a:t> </a:t>
+            </a:r>
+            <a:r>
+              <a:rPr lang="es" sz="1100"/>
+              <a:t>Listado de todas las tareas (del product backlog) que se van a desarrollar dentro del sprint actual.</a:t>
+            </a:r>
+            <a:endParaRPr/>
+          </a:p>
+          <a:p>
+            <a:pPr indent="0" lvl="0" marL="0" rtl="0" algn="just">
+              <a:lnSpc>
+                <a:spcPct val="100000"/>
+              </a:lnSpc>
+              <a:spcBef>
+                <a:spcPts val="0"/>
+              </a:spcBef>
+              <a:spcAft>
+                <a:spcPts val="0"/>
+              </a:spcAft>
+              <a:buNone/>
+            </a:pPr>
+            <a:r>
+              <a:rPr b="1" lang="es"/>
+              <a:t>Sprint review:</a:t>
+            </a:r>
+            <a:r>
+              <a:rPr lang="es"/>
+              <a:t> </a:t>
+            </a:r>
+            <a:r>
+              <a:rPr lang="es" sz="1100"/>
+              <a:t>Reunión en la que se muestra el trabajo avanzado (tangible) a los stakeholders.</a:t>
+            </a:r>
+            <a:endParaRPr/>
+          </a:p>
+        </p:txBody>
+      </p:sp>
+    </p:spTree>
+  </p:cSld>
+  <p:clrMapOvr>
+    <a:masterClrMapping/>
+  </p:clrMapOvr>
+</p:sld>
+</file>
+
+<file path=ppt/slides/slide8.xml><?xml version="1.0" encoding="utf-8"?>
+<p:sld xmlns:a="http://schemas.openxmlformats.org/drawingml/2006/main" xmlns:r="http://schemas.openxmlformats.org/officeDocument/2006/relationships" xmlns:mc="http://schemas.openxmlformats.org/markup-compatibility/2006" xmlns:mv="urn:schemas-microsoft-com:mac:vml" xmlns:p="http://schemas.openxmlformats.org/presentationml/2006/main" xmlns:c="http://schemas.openxmlformats.org/drawingml/2006/chart" xmlns:dgm="http://schemas.openxmlformats.org/drawingml/2006/diagram" xmlns:o="urn:schemas-microsoft-com:office:office" xmlns:v="urn:schemas-microsoft-com:vml" xmlns:pvml="urn:schemas-microsoft-com:office:powerpoint" xmlns:com="http://schemas.openxmlformats.org/drawingml/2006/compatibility" xmlns:p14="http://schemas.microsoft.com/office/powerpoint/2010/main" xmlns:p15="http://schemas.microsoft.com/office/powerpoint/2012/main" xmlns:ahyp="http://schemas.microsoft.com/office/drawing/2018/hyperlinkcolor">
+  <p:cSld>
+    <p:spTree>
+      <p:nvGrpSpPr>
+        <p:cNvPr id="127" name="Shape 127"/>
+        <p:cNvGrpSpPr/>
+        <p:nvPr/>
+      </p:nvGrpSpPr>
+      <p:grpSpPr>
+        <a:xfrm>
+          <a:off x="0" y="0"/>
+          <a:ext cx="0" cy="0"/>
+          <a:chOff x="0" y="0"/>
+          <a:chExt cx="0" cy="0"/>
+        </a:xfrm>
+      </p:grpSpPr>
+      <p:sp>
+        <p:nvSpPr>
+          <p:cNvPr id="128" name="Google Shape;128;p20"/>
+          <p:cNvSpPr txBox="1"/>
+          <p:nvPr>
+            <p:ph type="title"/>
+          </p:nvPr>
+        </p:nvSpPr>
+        <p:spPr>
+          <a:xfrm>
+            <a:off x="729450" y="360250"/>
+            <a:ext cx="7688700" cy="535200"/>
+          </a:xfrm>
+          <a:prstGeom prst="rect">
+            <a:avLst/>
+          </a:prstGeom>
+        </p:spPr>
+        <p:txBody>
+          <a:bodyPr anchorCtr="0" anchor="t" bIns="91425" lIns="91425" spcFirstLastPara="1" rIns="91425" wrap="square" tIns="91425">
+            <a:normAutofit fontScale="90000"/>
+          </a:bodyPr>
+          <a:lstStyle/>
+          <a:p>
+            <a:pPr indent="0" lvl="0" marL="0" rtl="0" algn="ctr">
+              <a:spcBef>
+                <a:spcPts val="0"/>
+              </a:spcBef>
+              <a:spcAft>
+                <a:spcPts val="0"/>
+              </a:spcAft>
+              <a:buNone/>
+            </a:pPr>
+            <a:r>
+              <a:rPr lang="es"/>
+              <a:t>Plan de proyecto APT</a:t>
+            </a:r>
+            <a:endParaRPr/>
+          </a:p>
+        </p:txBody>
+      </p:sp>
+      <p:pic>
+        <p:nvPicPr>
+          <p:cNvPr id="129" name="Google Shape;129;p20"/>
+          <p:cNvPicPr preferRelativeResize="0"/>
+          <p:nvPr/>
+        </p:nvPicPr>
+        <p:blipFill>
+          <a:blip r:embed="rId3">
+            <a:alphaModFix/>
+          </a:blip>
+          <a:stretch>
+            <a:fillRect/>
+          </a:stretch>
+        </p:blipFill>
+        <p:spPr>
+          <a:xfrm>
+            <a:off x="936400" y="1476450"/>
+            <a:ext cx="7115175" cy="3362325"/>
+          </a:xfrm>
+          <a:prstGeom prst="rect">
+            <a:avLst/>
+          </a:prstGeom>
+          <a:noFill/>
+          <a:ln>
+            <a:noFill/>
+          </a:ln>
+        </p:spPr>
+      </p:pic>
+    </p:spTree>
+  </p:cSld>
+  <p:clrMapOvr>
+    <a:masterClrMapping/>
+  </p:clrMapOvr>
+</p:sld>
+</file>
+
+<file path=ppt/slides/slide9.xml><?xml version="1.0" encoding="utf-8"?>
+<p:sld xmlns:a="http://schemas.openxmlformats.org/drawingml/2006/main" xmlns:r="http://schemas.openxmlformats.org/officeDocument/2006/relationships" xmlns:mc="http://schemas.openxmlformats.org/markup-compatibility/2006" xmlns:mv="urn:schemas-microsoft-com:mac:vml" xmlns:p="http://schemas.openxmlformats.org/presentationml/2006/main" xmlns:c="http://schemas.openxmlformats.org/drawingml/2006/chart" xmlns:dgm="http://schemas.openxmlformats.org/drawingml/2006/diagram" xmlns:o="urn:schemas-microsoft-com:office:office" xmlns:v="urn:schemas-microsoft-com:vml" xmlns:pvml="urn:schemas-microsoft-com:office:powerpoint" xmlns:com="http://schemas.openxmlformats.org/drawingml/2006/compatibility" xmlns:p14="http://schemas.microsoft.com/office/powerpoint/2010/main" xmlns:p15="http://schemas.microsoft.com/office/powerpoint/2012/main" xmlns:ahyp="http://schemas.microsoft.com/office/drawing/2018/hyperlinkcolor">
+  <p:cSld>
+    <p:spTree>
+      <p:nvGrpSpPr>
+        <p:cNvPr id="133" name="Shape 133"/>
+        <p:cNvGrpSpPr/>
+        <p:nvPr/>
+      </p:nvGrpSpPr>
+      <p:grpSpPr>
+        <a:xfrm>
+          <a:off x="0" y="0"/>
+          <a:ext cx="0" cy="0"/>
+          <a:chOff x="0" y="0"/>
+          <a:chExt cx="0" cy="0"/>
+        </a:xfrm>
+      </p:grpSpPr>
+      <p:sp>
+        <p:nvSpPr>
+          <p:cNvPr id="134" name="Google Shape;134;p21"/>
+          <p:cNvSpPr txBox="1"/>
+          <p:nvPr>
+            <p:ph type="title"/>
+          </p:nvPr>
+        </p:nvSpPr>
+        <p:spPr>
+          <a:xfrm>
+            <a:off x="729450" y="360250"/>
+            <a:ext cx="7688700" cy="535200"/>
+          </a:xfrm>
+          <a:prstGeom prst="rect">
+            <a:avLst/>
+          </a:prstGeom>
+        </p:spPr>
+        <p:txBody>
+          <a:bodyPr anchorCtr="0" anchor="t" bIns="91425" lIns="91425" spcFirstLastPara="1" rIns="91425" wrap="square" tIns="91425">
+            <a:normAutofit fontScale="90000"/>
+          </a:bodyPr>
+          <a:lstStyle/>
+          <a:p>
+            <a:pPr indent="0" lvl="0" marL="0" rtl="0" algn="ctr">
+              <a:spcBef>
+                <a:spcPts val="0"/>
+              </a:spcBef>
+              <a:spcAft>
+                <a:spcPts val="0"/>
+              </a:spcAft>
+              <a:buNone/>
+            </a:pPr>
+            <a:r>
+              <a:rPr lang="es"/>
+              <a:t>Plan de proyecto APT</a:t>
+            </a:r>
+            <a:endParaRPr/>
+          </a:p>
+        </p:txBody>
+      </p:sp>
+      <p:sp>
+        <p:nvSpPr>
+          <p:cNvPr id="135" name="Google Shape;135;p21"/>
           <p:cNvSpPr txBox="1"/>
           <p:nvPr>
             <p:ph idx="1" type="body"/>
@@ -8733,6 +10733,62 @@
           </a:p>
         </p:txBody>
       </p:sp>
+      <p:pic>
+        <p:nvPicPr>
+          <p:cNvPr id="136" name="Google Shape;136;p21"/>
+          <p:cNvPicPr preferRelativeResize="0"/>
+          <p:nvPr/>
+        </p:nvPicPr>
+        <p:blipFill>
+          <a:blip r:embed="rId3">
+            <a:alphaModFix/>
+          </a:blip>
+          <a:stretch>
+            <a:fillRect/>
+          </a:stretch>
+        </p:blipFill>
+        <p:spPr>
+          <a:xfrm>
+            <a:off x="782675" y="895450"/>
+            <a:ext cx="7334049" cy="1041350"/>
+          </a:xfrm>
+          <a:prstGeom prst="rect">
+            <a:avLst/>
+          </a:prstGeom>
+          <a:noFill/>
+          <a:ln>
+            <a:noFill/>
+          </a:ln>
+        </p:spPr>
+      </p:pic>
+      <p:pic>
+        <p:nvPicPr>
+          <p:cNvPr id="137" name="Google Shape;137;p21"/>
+          <p:cNvPicPr preferRelativeResize="0"/>
+          <p:nvPr/>
+        </p:nvPicPr>
+        <p:blipFill>
+          <a:blip r:embed="rId4">
+            <a:alphaModFix/>
+          </a:blip>
+          <a:stretch>
+            <a:fillRect/>
+          </a:stretch>
+        </p:blipFill>
+        <p:spPr>
+          <a:xfrm>
+            <a:off x="782675" y="1854850"/>
+            <a:ext cx="7334049" cy="3223150"/>
+          </a:xfrm>
+          <a:prstGeom prst="rect">
+            <a:avLst/>
+          </a:prstGeom>
+          <a:noFill/>
+          <a:ln>
+            <a:noFill/>
+          </a:ln>
+        </p:spPr>
+      </p:pic>
     </p:spTree>
   </p:cSld>
   <p:clrMapOvr>
